--- a/5月 中間報告pptx.pptx
+++ b/5月 中間報告pptx.pptx
@@ -11,28 +11,33 @@
     <p:sldId id="261" r:id="rId5"/>
     <p:sldId id="259" r:id="rId6"/>
     <p:sldId id="260" r:id="rId7"/>
-    <p:sldId id="262" r:id="rId8"/>
-    <p:sldId id="263" r:id="rId9"/>
-    <p:sldId id="269" r:id="rId10"/>
-    <p:sldId id="270" r:id="rId11"/>
-    <p:sldId id="271" r:id="rId12"/>
-    <p:sldId id="562" r:id="rId13"/>
-    <p:sldId id="272" r:id="rId14"/>
-    <p:sldId id="563" r:id="rId15"/>
-    <p:sldId id="273" r:id="rId16"/>
-    <p:sldId id="274" r:id="rId17"/>
-    <p:sldId id="564" r:id="rId18"/>
-    <p:sldId id="264" r:id="rId19"/>
-    <p:sldId id="265" r:id="rId20"/>
-    <p:sldId id="266" r:id="rId21"/>
-    <p:sldId id="267" r:id="rId22"/>
-    <p:sldId id="276" r:id="rId23"/>
-    <p:sldId id="559" r:id="rId24"/>
-    <p:sldId id="275" r:id="rId25"/>
-    <p:sldId id="557" r:id="rId26"/>
-    <p:sldId id="558" r:id="rId27"/>
-    <p:sldId id="560" r:id="rId28"/>
-    <p:sldId id="561" r:id="rId29"/>
+    <p:sldId id="565" r:id="rId8"/>
+    <p:sldId id="262" r:id="rId9"/>
+    <p:sldId id="263" r:id="rId10"/>
+    <p:sldId id="269" r:id="rId11"/>
+    <p:sldId id="270" r:id="rId12"/>
+    <p:sldId id="271" r:id="rId13"/>
+    <p:sldId id="562" r:id="rId14"/>
+    <p:sldId id="272" r:id="rId15"/>
+    <p:sldId id="563" r:id="rId16"/>
+    <p:sldId id="273" r:id="rId17"/>
+    <p:sldId id="274" r:id="rId18"/>
+    <p:sldId id="564" r:id="rId19"/>
+    <p:sldId id="264" r:id="rId20"/>
+    <p:sldId id="265" r:id="rId21"/>
+    <p:sldId id="266" r:id="rId22"/>
+    <p:sldId id="566" r:id="rId23"/>
+    <p:sldId id="568" r:id="rId24"/>
+    <p:sldId id="267" r:id="rId25"/>
+    <p:sldId id="569" r:id="rId26"/>
+    <p:sldId id="276" r:id="rId27"/>
+    <p:sldId id="559" r:id="rId28"/>
+    <p:sldId id="275" r:id="rId29"/>
+    <p:sldId id="557" r:id="rId30"/>
+    <p:sldId id="558" r:id="rId31"/>
+    <p:sldId id="560" r:id="rId32"/>
+    <p:sldId id="570" r:id="rId33"/>
+    <p:sldId id="561" r:id="rId34"/>
   </p:sldIdLst>
   <p:sldSz cx="12192000" cy="6858000"/>
   <p:notesSz cx="6858000" cy="9144000"/>
@@ -327,7 +332,7 @@
           <a:p>
             <a:fld id="{C8659C27-364E-C74E-8EB0-0FFA61AB3438}" type="datetimeFigureOut">
               <a:rPr kumimoji="1" lang="ja-JP" altLang="en-US" smtClean="0"/>
-              <a:t>2021/4/20</a:t>
+              <a:t>2021/5/5</a:t>
             </a:fld>
             <a:endParaRPr kumimoji="1" lang="ja-JP" altLang="en-US"/>
           </a:p>
@@ -702,7 +707,7 @@
           <a:p>
             <a:fld id="{C8659C27-364E-C74E-8EB0-0FFA61AB3438}" type="datetimeFigureOut">
               <a:rPr kumimoji="1" lang="ja-JP" altLang="en-US" smtClean="0"/>
-              <a:t>2021/4/20</a:t>
+              <a:t>2021/5/5</a:t>
             </a:fld>
             <a:endParaRPr kumimoji="1" lang="ja-JP" altLang="en-US"/>
           </a:p>
@@ -1177,7 +1182,7 @@
           <a:p>
             <a:fld id="{C8659C27-364E-C74E-8EB0-0FFA61AB3438}" type="datetimeFigureOut">
               <a:rPr kumimoji="1" lang="ja-JP" altLang="en-US" smtClean="0"/>
-              <a:t>2021/4/20</a:t>
+              <a:t>2021/5/5</a:t>
             </a:fld>
             <a:endParaRPr kumimoji="1" lang="ja-JP" altLang="en-US"/>
           </a:p>
@@ -1550,7 +1555,7 @@
           <a:p>
             <a:fld id="{C8659C27-364E-C74E-8EB0-0FFA61AB3438}" type="datetimeFigureOut">
               <a:rPr kumimoji="1" lang="ja-JP" altLang="en-US" smtClean="0"/>
-              <a:t>2021/4/20</a:t>
+              <a:t>2021/5/5</a:t>
             </a:fld>
             <a:endParaRPr kumimoji="1" lang="ja-JP" altLang="en-US"/>
           </a:p>
@@ -1944,7 +1949,7 @@
           <a:p>
             <a:fld id="{C8659C27-364E-C74E-8EB0-0FFA61AB3438}" type="datetimeFigureOut">
               <a:rPr kumimoji="1" lang="ja-JP" altLang="en-US" smtClean="0"/>
-              <a:t>2021/4/20</a:t>
+              <a:t>2021/5/5</a:t>
             </a:fld>
             <a:endParaRPr kumimoji="1" lang="ja-JP" altLang="en-US"/>
           </a:p>
@@ -2414,7 +2419,7 @@
           <a:p>
             <a:fld id="{C8659C27-364E-C74E-8EB0-0FFA61AB3438}" type="datetimeFigureOut">
               <a:rPr kumimoji="1" lang="ja-JP" altLang="en-US" smtClean="0"/>
-              <a:t>2021/4/20</a:t>
+              <a:t>2021/5/5</a:t>
             </a:fld>
             <a:endParaRPr kumimoji="1" lang="ja-JP" altLang="en-US"/>
           </a:p>
@@ -2679,7 +2684,7 @@
           <a:p>
             <a:fld id="{C8659C27-364E-C74E-8EB0-0FFA61AB3438}" type="datetimeFigureOut">
               <a:rPr kumimoji="1" lang="ja-JP" altLang="en-US" smtClean="0"/>
-              <a:t>2021/4/20</a:t>
+              <a:t>2021/5/5</a:t>
             </a:fld>
             <a:endParaRPr kumimoji="1" lang="ja-JP" altLang="en-US"/>
           </a:p>
@@ -2949,7 +2954,7 @@
           <a:p>
             <a:fld id="{C8659C27-364E-C74E-8EB0-0FFA61AB3438}" type="datetimeFigureOut">
               <a:rPr kumimoji="1" lang="ja-JP" altLang="en-US" smtClean="0"/>
-              <a:t>2021/4/20</a:t>
+              <a:t>2021/5/5</a:t>
             </a:fld>
             <a:endParaRPr kumimoji="1" lang="ja-JP" altLang="en-US"/>
           </a:p>
@@ -3219,7 +3224,7 @@
           <a:p>
             <a:fld id="{C8659C27-364E-C74E-8EB0-0FFA61AB3438}" type="datetimeFigureOut">
               <a:rPr kumimoji="1" lang="ja-JP" altLang="en-US" smtClean="0"/>
-              <a:t>2021/4/20</a:t>
+              <a:t>2021/5/5</a:t>
             </a:fld>
             <a:endParaRPr kumimoji="1" lang="ja-JP" altLang="en-US"/>
           </a:p>
@@ -3585,7 +3590,7 @@
           <a:p>
             <a:fld id="{C8659C27-364E-C74E-8EB0-0FFA61AB3438}" type="datetimeFigureOut">
               <a:rPr kumimoji="1" lang="ja-JP" altLang="en-US" smtClean="0"/>
-              <a:t>2021/4/20</a:t>
+              <a:t>2021/5/5</a:t>
             </a:fld>
             <a:endParaRPr kumimoji="1" lang="ja-JP" altLang="en-US"/>
           </a:p>
@@ -3924,7 +3929,7 @@
           <a:p>
             <a:fld id="{C8659C27-364E-C74E-8EB0-0FFA61AB3438}" type="datetimeFigureOut">
               <a:rPr kumimoji="1" lang="ja-JP" altLang="en-US" smtClean="0"/>
-              <a:t>2021/4/20</a:t>
+              <a:t>2021/5/5</a:t>
             </a:fld>
             <a:endParaRPr kumimoji="1" lang="ja-JP" altLang="en-US"/>
           </a:p>
@@ -4471,7 +4476,7 @@
           <a:p>
             <a:fld id="{C8659C27-364E-C74E-8EB0-0FFA61AB3438}" type="datetimeFigureOut">
               <a:rPr kumimoji="1" lang="ja-JP" altLang="en-US" smtClean="0"/>
-              <a:t>2021/4/20</a:t>
+              <a:t>2021/5/5</a:t>
             </a:fld>
             <a:endParaRPr kumimoji="1" lang="ja-JP" altLang="en-US"/>
           </a:p>
@@ -4676,7 +4681,7 @@
           <a:p>
             <a:fld id="{C8659C27-364E-C74E-8EB0-0FFA61AB3438}" type="datetimeFigureOut">
               <a:rPr kumimoji="1" lang="ja-JP" altLang="en-US" smtClean="0"/>
-              <a:t>2021/4/20</a:t>
+              <a:t>2021/5/5</a:t>
             </a:fld>
             <a:endParaRPr kumimoji="1" lang="ja-JP" altLang="en-US"/>
           </a:p>
@@ -4853,7 +4858,7 @@
           <a:p>
             <a:fld id="{C8659C27-364E-C74E-8EB0-0FFA61AB3438}" type="datetimeFigureOut">
               <a:rPr kumimoji="1" lang="ja-JP" altLang="en-US" smtClean="0"/>
-              <a:t>2021/4/20</a:t>
+              <a:t>2021/5/5</a:t>
             </a:fld>
             <a:endParaRPr kumimoji="1" lang="ja-JP" altLang="en-US"/>
           </a:p>
@@ -5231,7 +5236,7 @@
           <a:p>
             <a:fld id="{C8659C27-364E-C74E-8EB0-0FFA61AB3438}" type="datetimeFigureOut">
               <a:rPr kumimoji="1" lang="ja-JP" altLang="en-US" smtClean="0"/>
-              <a:t>2021/4/20</a:t>
+              <a:t>2021/5/5</a:t>
             </a:fld>
             <a:endParaRPr kumimoji="1" lang="ja-JP" altLang="en-US"/>
           </a:p>
@@ -5613,7 +5618,7 @@
           <a:p>
             <a:fld id="{C8659C27-364E-C74E-8EB0-0FFA61AB3438}" type="datetimeFigureOut">
               <a:rPr kumimoji="1" lang="ja-JP" altLang="en-US" smtClean="0"/>
-              <a:t>2021/4/20</a:t>
+              <a:t>2021/5/5</a:t>
             </a:fld>
             <a:endParaRPr kumimoji="1" lang="ja-JP" altLang="en-US"/>
           </a:p>
@@ -7738,7 +7743,7 @@
           <a:p>
             <a:fld id="{C8659C27-364E-C74E-8EB0-0FFA61AB3438}" type="datetimeFigureOut">
               <a:rPr kumimoji="1" lang="ja-JP" altLang="en-US" smtClean="0"/>
-              <a:t>2021/4/20</a:t>
+              <a:t>2021/5/5</a:t>
             </a:fld>
             <a:endParaRPr kumimoji="1" lang="ja-JP" altLang="en-US"/>
           </a:p>
@@ -8378,6 +8383,156 @@
           <p:cNvPr id="2" name="タイトル 1">
             <a:extLst>
               <a:ext uri="{FF2B5EF4-FFF2-40B4-BE49-F238E27FC236}">
+                <a16:creationId xmlns:a16="http://schemas.microsoft.com/office/drawing/2014/main" id="{FD7804DA-5131-1342-B346-35CAC3C09CE7}"/>
+              </a:ext>
+            </a:extLst>
+          </p:cNvPr>
+          <p:cNvSpPr>
+            <a:spLocks noGrp="1"/>
+          </p:cNvSpPr>
+          <p:nvPr>
+            <p:ph type="title"/>
+          </p:nvPr>
+        </p:nvSpPr>
+        <p:spPr/>
+        <p:txBody>
+          <a:bodyPr/>
+          <a:lstStyle/>
+          <a:p>
+            <a:r>
+              <a:rPr lang="en-US" altLang="ja-JP" dirty="0"/>
+              <a:t>The objective function</a:t>
+            </a:r>
+            <a:endParaRPr kumimoji="1" lang="ja-JP" altLang="en-US"/>
+          </a:p>
+        </p:txBody>
+      </p:sp>
+      <p:sp>
+        <p:nvSpPr>
+          <p:cNvPr id="3" name="コンテンツ プレースホルダー 2">
+            <a:extLst>
+              <a:ext uri="{FF2B5EF4-FFF2-40B4-BE49-F238E27FC236}">
+                <a16:creationId xmlns:a16="http://schemas.microsoft.com/office/drawing/2014/main" id="{07F230A6-6F05-474A-B796-7E09CD034B90}"/>
+              </a:ext>
+            </a:extLst>
+          </p:cNvPr>
+          <p:cNvSpPr>
+            <a:spLocks noGrp="1"/>
+          </p:cNvSpPr>
+          <p:nvPr>
+            <p:ph idx="1"/>
+          </p:nvPr>
+        </p:nvSpPr>
+        <p:spPr/>
+        <p:txBody>
+          <a:bodyPr>
+            <a:normAutofit/>
+          </a:bodyPr>
+          <a:lstStyle/>
+          <a:p>
+            <a:pPr marL="0" indent="0">
+              <a:buNone/>
+            </a:pPr>
+            <a:r>
+              <a:rPr lang="en" altLang="ja-JP" sz="2400" dirty="0"/>
+              <a:t>the objective function would be the weighted sum of the following five.</a:t>
+            </a:r>
+          </a:p>
+          <a:p>
+            <a:pPr>
+              <a:buFont typeface="+mj-lt"/>
+              <a:buAutoNum type="arabicPeriod"/>
+            </a:pPr>
+            <a:r>
+              <a:rPr lang="en-US" altLang="ja-JP" sz="2400" dirty="0"/>
+              <a:t>avoiding multiple orders in one hold</a:t>
+            </a:r>
+          </a:p>
+          <a:p>
+            <a:pPr>
+              <a:buFont typeface="+mj-lt"/>
+              <a:buAutoNum type="arabicPeriod"/>
+            </a:pPr>
+            <a:r>
+              <a:rPr lang="en" altLang="ja-JP" sz="2400" dirty="0"/>
+              <a:t>placing </a:t>
+            </a:r>
+            <a:r>
+              <a:rPr lang="en-US" altLang="ja-JP" sz="2400" dirty="0"/>
+              <a:t>same</a:t>
+            </a:r>
+            <a:r>
+              <a:rPr lang="en" altLang="ja-JP" sz="2400" dirty="0"/>
+              <a:t> orders by port closer together</a:t>
+            </a:r>
+          </a:p>
+          <a:p>
+            <a:pPr>
+              <a:buFont typeface="+mj-lt"/>
+              <a:buAutoNum type="arabicPeriod"/>
+            </a:pPr>
+            <a:r>
+              <a:rPr lang="en" altLang="ja-JP" sz="2400" dirty="0"/>
+              <a:t>securing a path to prevent loss of work efficiency</a:t>
+            </a:r>
+          </a:p>
+          <a:p>
+            <a:pPr>
+              <a:buFont typeface="+mj-lt"/>
+              <a:buAutoNum type="arabicPeriod"/>
+            </a:pPr>
+            <a:r>
+              <a:rPr lang="en" altLang="ja-JP" sz="2400" dirty="0"/>
+              <a:t>No dead space</a:t>
+            </a:r>
+          </a:p>
+          <a:p>
+            <a:pPr>
+              <a:buFont typeface="+mj-lt"/>
+              <a:buAutoNum type="arabicPeriod"/>
+            </a:pPr>
+            <a:r>
+              <a:rPr lang="en" altLang="ja-JP" sz="2400" dirty="0"/>
+              <a:t>placing empty space close to the entrance</a:t>
+            </a:r>
+          </a:p>
+        </p:txBody>
+      </p:sp>
+    </p:spTree>
+    <p:extLst>
+      <p:ext uri="{BB962C8B-B14F-4D97-AF65-F5344CB8AC3E}">
+        <p14:creationId xmlns:p14="http://schemas.microsoft.com/office/powerpoint/2010/main" val="2625871371"/>
+      </p:ext>
+    </p:extLst>
+  </p:cSld>
+  <p:clrMapOvr>
+    <a:masterClrMapping/>
+  </p:clrMapOvr>
+</p:sld>
+</file>
+
+<file path=ppt/slides/slide11.xml><?xml version="1.0" encoding="utf-8"?>
+<p:sld xmlns:a="http://schemas.openxmlformats.org/drawingml/2006/main" xmlns:r="http://schemas.openxmlformats.org/officeDocument/2006/relationships" xmlns:p="http://schemas.openxmlformats.org/presentationml/2006/main">
+  <p:cSld>
+    <p:spTree>
+      <p:nvGrpSpPr>
+        <p:cNvPr id="1" name=""/>
+        <p:cNvGrpSpPr/>
+        <p:nvPr/>
+      </p:nvGrpSpPr>
+      <p:grpSpPr>
+        <a:xfrm>
+          <a:off x="0" y="0"/>
+          <a:ext cx="0" cy="0"/>
+          <a:chOff x="0" y="0"/>
+          <a:chExt cx="0" cy="0"/>
+        </a:xfrm>
+      </p:grpSpPr>
+      <p:sp>
+        <p:nvSpPr>
+          <p:cNvPr id="2" name="タイトル 1">
+            <a:extLst>
+              <a:ext uri="{FF2B5EF4-FFF2-40B4-BE49-F238E27FC236}">
                 <a16:creationId xmlns:a16="http://schemas.microsoft.com/office/drawing/2014/main" id="{8FFD2DF9-F802-CB4A-8FDC-1DBC0B21EA23}"/>
               </a:ext>
             </a:extLst>
@@ -8743,7 +8898,7 @@
 </p:sld>
 </file>
 
-<file path=ppt/slides/slide11.xml><?xml version="1.0" encoding="utf-8"?>
+<file path=ppt/slides/slide12.xml><?xml version="1.0" encoding="utf-8"?>
 <p:sld xmlns:a="http://schemas.openxmlformats.org/drawingml/2006/main" xmlns:r="http://schemas.openxmlformats.org/officeDocument/2006/relationships" xmlns:p="http://schemas.openxmlformats.org/presentationml/2006/main">
   <p:cSld>
     <p:spTree>
@@ -10037,7 +10192,7 @@
 </p:sld>
 </file>
 
-<file path=ppt/slides/slide12.xml><?xml version="1.0" encoding="utf-8"?>
+<file path=ppt/slides/slide13.xml><?xml version="1.0" encoding="utf-8"?>
 <p:sld xmlns:a="http://schemas.openxmlformats.org/drawingml/2006/main" xmlns:r="http://schemas.openxmlformats.org/officeDocument/2006/relationships" xmlns:p="http://schemas.openxmlformats.org/presentationml/2006/main">
   <p:cSld>
     <p:spTree>
@@ -11280,116 +11435,6 @@
 </p:sld>
 </file>
 
-<file path=ppt/slides/slide13.xml><?xml version="1.0" encoding="utf-8"?>
-<p:sld xmlns:a="http://schemas.openxmlformats.org/drawingml/2006/main" xmlns:r="http://schemas.openxmlformats.org/officeDocument/2006/relationships" xmlns:p="http://schemas.openxmlformats.org/presentationml/2006/main">
-  <p:cSld>
-    <p:spTree>
-      <p:nvGrpSpPr>
-        <p:cNvPr id="1" name=""/>
-        <p:cNvGrpSpPr/>
-        <p:nvPr/>
-      </p:nvGrpSpPr>
-      <p:grpSpPr>
-        <a:xfrm>
-          <a:off x="0" y="0"/>
-          <a:ext cx="0" cy="0"/>
-          <a:chOff x="0" y="0"/>
-          <a:chExt cx="0" cy="0"/>
-        </a:xfrm>
-      </p:grpSpPr>
-      <p:sp>
-        <p:nvSpPr>
-          <p:cNvPr id="2" name="タイトル 1">
-            <a:extLst>
-              <a:ext uri="{FF2B5EF4-FFF2-40B4-BE49-F238E27FC236}">
-                <a16:creationId xmlns:a16="http://schemas.microsoft.com/office/drawing/2014/main" id="{AD513AB0-DE80-1249-81CC-02FEBF1A9A4F}"/>
-              </a:ext>
-            </a:extLst>
-          </p:cNvPr>
-          <p:cNvSpPr>
-            <a:spLocks noGrp="1"/>
-          </p:cNvSpPr>
-          <p:nvPr>
-            <p:ph type="title"/>
-          </p:nvPr>
-        </p:nvSpPr>
-        <p:spPr/>
-        <p:txBody>
-          <a:bodyPr/>
-          <a:lstStyle/>
-          <a:p>
-            <a:r>
-              <a:rPr lang="en" altLang="ja-JP" dirty="0"/>
-              <a:t>Securing a path to prevent loss of work efficiency</a:t>
-            </a:r>
-            <a:endParaRPr kumimoji="1" lang="ja-JP" altLang="en-US"/>
-          </a:p>
-        </p:txBody>
-      </p:sp>
-      <p:sp>
-        <p:nvSpPr>
-          <p:cNvPr id="3" name="コンテンツ プレースホルダー 2">
-            <a:extLst>
-              <a:ext uri="{FF2B5EF4-FFF2-40B4-BE49-F238E27FC236}">
-                <a16:creationId xmlns:a16="http://schemas.microsoft.com/office/drawing/2014/main" id="{98A8D984-F4FD-154B-9B02-E5367600FF28}"/>
-              </a:ext>
-            </a:extLst>
-          </p:cNvPr>
-          <p:cNvSpPr>
-            <a:spLocks noGrp="1"/>
-          </p:cNvSpPr>
-          <p:nvPr>
-            <p:ph idx="1"/>
-          </p:nvPr>
-        </p:nvSpPr>
-        <p:spPr/>
-        <p:txBody>
-          <a:bodyPr>
-            <a:normAutofit/>
-          </a:bodyPr>
-          <a:lstStyle/>
-          <a:p>
-            <a:r>
-              <a:rPr lang="en-US" altLang="ja-JP" sz="2400" dirty="0"/>
-              <a:t>When a hold is full,</a:t>
-            </a:r>
-            <a:r>
-              <a:rPr lang="ja-JP" altLang="en-US" sz="2400"/>
-              <a:t> </a:t>
-            </a:r>
-            <a:r>
-              <a:rPr lang="en" altLang="ja-JP" sz="2400" dirty="0"/>
-              <a:t>it would be harder to pass through that hold.</a:t>
-            </a:r>
-            <a:endParaRPr lang="en-US" altLang="ja-JP" sz="2400" dirty="0"/>
-          </a:p>
-          <a:p>
-            <a:r>
-              <a:rPr lang="en-US" altLang="ja-JP" sz="2400" dirty="0"/>
-              <a:t>we need to move cars in that hold once and bring them back again.</a:t>
-            </a:r>
-          </a:p>
-          <a:p>
-            <a:r>
-              <a:rPr lang="en" altLang="ja-JP" sz="2400" dirty="0"/>
-              <a:t>This leads to a loss of work efficiency.</a:t>
-            </a:r>
-          </a:p>
-        </p:txBody>
-      </p:sp>
-    </p:spTree>
-    <p:extLst>
-      <p:ext uri="{BB962C8B-B14F-4D97-AF65-F5344CB8AC3E}">
-        <p14:creationId xmlns:p14="http://schemas.microsoft.com/office/powerpoint/2010/main" val="3091578998"/>
-      </p:ext>
-    </p:extLst>
-  </p:cSld>
-  <p:clrMapOvr>
-    <a:masterClrMapping/>
-  </p:clrMapOvr>
-</p:sld>
-</file>
-
 <file path=ppt/slides/slide14.xml><?xml version="1.0" encoding="utf-8"?>
 <p:sld xmlns:a="http://schemas.openxmlformats.org/drawingml/2006/main" xmlns:r="http://schemas.openxmlformats.org/officeDocument/2006/relationships" xmlns:p="http://schemas.openxmlformats.org/presentationml/2006/main">
   <p:cSld>
@@ -11412,6 +11457,116 @@
           <p:cNvPr id="2" name="タイトル 1">
             <a:extLst>
               <a:ext uri="{FF2B5EF4-FFF2-40B4-BE49-F238E27FC236}">
+                <a16:creationId xmlns:a16="http://schemas.microsoft.com/office/drawing/2014/main" id="{AD513AB0-DE80-1249-81CC-02FEBF1A9A4F}"/>
+              </a:ext>
+            </a:extLst>
+          </p:cNvPr>
+          <p:cNvSpPr>
+            <a:spLocks noGrp="1"/>
+          </p:cNvSpPr>
+          <p:nvPr>
+            <p:ph type="title"/>
+          </p:nvPr>
+        </p:nvSpPr>
+        <p:spPr/>
+        <p:txBody>
+          <a:bodyPr/>
+          <a:lstStyle/>
+          <a:p>
+            <a:r>
+              <a:rPr lang="en" altLang="ja-JP" dirty="0"/>
+              <a:t>Securing a path to prevent loss of work efficiency</a:t>
+            </a:r>
+            <a:endParaRPr kumimoji="1" lang="ja-JP" altLang="en-US"/>
+          </a:p>
+        </p:txBody>
+      </p:sp>
+      <p:sp>
+        <p:nvSpPr>
+          <p:cNvPr id="3" name="コンテンツ プレースホルダー 2">
+            <a:extLst>
+              <a:ext uri="{FF2B5EF4-FFF2-40B4-BE49-F238E27FC236}">
+                <a16:creationId xmlns:a16="http://schemas.microsoft.com/office/drawing/2014/main" id="{98A8D984-F4FD-154B-9B02-E5367600FF28}"/>
+              </a:ext>
+            </a:extLst>
+          </p:cNvPr>
+          <p:cNvSpPr>
+            <a:spLocks noGrp="1"/>
+          </p:cNvSpPr>
+          <p:nvPr>
+            <p:ph idx="1"/>
+          </p:nvPr>
+        </p:nvSpPr>
+        <p:spPr/>
+        <p:txBody>
+          <a:bodyPr>
+            <a:normAutofit/>
+          </a:bodyPr>
+          <a:lstStyle/>
+          <a:p>
+            <a:r>
+              <a:rPr lang="en-US" altLang="ja-JP" sz="2400" dirty="0"/>
+              <a:t>When a hold is full,</a:t>
+            </a:r>
+            <a:r>
+              <a:rPr lang="ja-JP" altLang="en-US" sz="2400"/>
+              <a:t> </a:t>
+            </a:r>
+            <a:r>
+              <a:rPr lang="en" altLang="ja-JP" sz="2400" dirty="0"/>
+              <a:t>it would be harder to pass through that hold.</a:t>
+            </a:r>
+            <a:endParaRPr lang="en-US" altLang="ja-JP" sz="2400" dirty="0"/>
+          </a:p>
+          <a:p>
+            <a:r>
+              <a:rPr lang="en-US" altLang="ja-JP" sz="2400" dirty="0"/>
+              <a:t>we need to move cars in that hold once and bring them back again.</a:t>
+            </a:r>
+          </a:p>
+          <a:p>
+            <a:r>
+              <a:rPr lang="en" altLang="ja-JP" sz="2400" dirty="0"/>
+              <a:t>This leads to a loss of work efficiency.</a:t>
+            </a:r>
+          </a:p>
+        </p:txBody>
+      </p:sp>
+    </p:spTree>
+    <p:extLst>
+      <p:ext uri="{BB962C8B-B14F-4D97-AF65-F5344CB8AC3E}">
+        <p14:creationId xmlns:p14="http://schemas.microsoft.com/office/powerpoint/2010/main" val="3091578998"/>
+      </p:ext>
+    </p:extLst>
+  </p:cSld>
+  <p:clrMapOvr>
+    <a:masterClrMapping/>
+  </p:clrMapOvr>
+</p:sld>
+</file>
+
+<file path=ppt/slides/slide15.xml><?xml version="1.0" encoding="utf-8"?>
+<p:sld xmlns:a="http://schemas.openxmlformats.org/drawingml/2006/main" xmlns:r="http://schemas.openxmlformats.org/officeDocument/2006/relationships" xmlns:p="http://schemas.openxmlformats.org/presentationml/2006/main">
+  <p:cSld>
+    <p:spTree>
+      <p:nvGrpSpPr>
+        <p:cNvPr id="1" name=""/>
+        <p:cNvGrpSpPr/>
+        <p:nvPr/>
+      </p:nvGrpSpPr>
+      <p:grpSpPr>
+        <a:xfrm>
+          <a:off x="0" y="0"/>
+          <a:ext cx="0" cy="0"/>
+          <a:chOff x="0" y="0"/>
+          <a:chExt cx="0" cy="0"/>
+        </a:xfrm>
+      </p:grpSpPr>
+      <p:sp>
+        <p:nvSpPr>
+          <p:cNvPr id="2" name="タイトル 1">
+            <a:extLst>
+              <a:ext uri="{FF2B5EF4-FFF2-40B4-BE49-F238E27FC236}">
                 <a16:creationId xmlns:a16="http://schemas.microsoft.com/office/drawing/2014/main" id="{48ADACD0-9C1F-8A4B-8763-6580C2028ED1}"/>
               </a:ext>
             </a:extLst>
@@ -11454,52 +11609,50 @@
         </p:nvSpPr>
         <p:spPr/>
         <p:txBody>
-          <a:bodyPr/>
-          <a:lstStyle/>
-          <a:p>
-            <a:r>
-              <a:rPr lang="en" altLang="ja-JP" dirty="0"/>
+          <a:bodyPr>
+            <a:noAutofit/>
+          </a:bodyPr>
+          <a:lstStyle/>
+          <a:p>
+            <a:r>
+              <a:rPr lang="en" altLang="ja-JP" sz="2400" dirty="0"/>
               <a:t>For each hold 𝑖, we defined a fill rate that does not narrow the aisle of the car.</a:t>
             </a:r>
           </a:p>
           <a:p>
             <a:r>
-              <a:rPr kumimoji="1" lang="en" altLang="ja-JP" dirty="0"/>
+              <a:rPr kumimoji="1" lang="en" altLang="ja-JP" sz="2400" dirty="0"/>
               <a:t>When loading 10 cars to hold 4:</a:t>
             </a:r>
           </a:p>
           <a:p>
             <a:pPr lvl="1"/>
             <a:r>
-              <a:rPr lang="en" altLang="ja-JP" dirty="0"/>
+              <a:rPr lang="en" altLang="ja-JP" sz="2000" dirty="0"/>
               <a:t>Red: the hold which the fill rate is exceeded.</a:t>
             </a:r>
           </a:p>
           <a:p>
             <a:pPr lvl="1"/>
             <a:r>
-              <a:rPr kumimoji="1" lang="en" altLang="ja-JP" dirty="0"/>
+              <a:rPr kumimoji="1" lang="en" altLang="ja-JP" sz="2000" dirty="0"/>
               <a:t>Blue: the hold which the fill rate is not exceeded.</a:t>
             </a:r>
           </a:p>
           <a:p>
             <a:pPr lvl="1"/>
-            <a:endParaRPr kumimoji="1" lang="en" altLang="ja-JP" dirty="0"/>
+            <a:endParaRPr lang="en" altLang="ja-JP" sz="2400" dirty="0"/>
           </a:p>
           <a:p>
             <a:pPr lvl="1"/>
-            <a:endParaRPr lang="en" altLang="ja-JP" dirty="0"/>
-          </a:p>
-          <a:p>
-            <a:pPr lvl="1"/>
-            <a:endParaRPr kumimoji="1" lang="en" altLang="ja-JP" dirty="0"/>
-          </a:p>
-          <a:p>
-            <a:r>
-              <a:rPr lang="en" altLang="ja-JP" dirty="0"/>
+            <a:endParaRPr kumimoji="1" lang="en" altLang="ja-JP" sz="2400" dirty="0"/>
+          </a:p>
+          <a:p>
+            <a:r>
+              <a:rPr lang="en" altLang="ja-JP" sz="2400" dirty="0"/>
               <a:t>Total penalty for this situation is 20 (10 *2)</a:t>
             </a:r>
-            <a:endParaRPr kumimoji="1" lang="en" altLang="ja-JP" dirty="0"/>
+            <a:endParaRPr kumimoji="1" lang="en" altLang="ja-JP" sz="2400" dirty="0"/>
           </a:p>
         </p:txBody>
       </p:sp>
@@ -11517,7 +11670,7 @@
         </p:nvSpPr>
         <p:spPr>
           <a:xfrm>
-            <a:off x="3462373" y="4123184"/>
+            <a:off x="3025644" y="4382491"/>
             <a:ext cx="818865" cy="873457"/>
           </a:xfrm>
           <a:prstGeom prst="rect">
@@ -11578,7 +11731,7 @@
         </p:nvSpPr>
         <p:spPr>
           <a:xfrm>
-            <a:off x="4281238" y="4123184"/>
+            <a:off x="3844509" y="4382491"/>
             <a:ext cx="818865" cy="873457"/>
           </a:xfrm>
           <a:prstGeom prst="rect">
@@ -11639,7 +11792,7 @@
         </p:nvSpPr>
         <p:spPr>
           <a:xfrm>
-            <a:off x="5909765" y="4123182"/>
+            <a:off x="5473036" y="4382489"/>
             <a:ext cx="818865" cy="873457"/>
           </a:xfrm>
           <a:prstGeom prst="rect">
@@ -11686,7 +11839,7 @@
         </p:nvSpPr>
         <p:spPr>
           <a:xfrm>
-            <a:off x="5100103" y="4123183"/>
+            <a:off x="4663374" y="4382490"/>
             <a:ext cx="818865" cy="873457"/>
           </a:xfrm>
           <a:prstGeom prst="rect">
@@ -11747,7 +11900,7 @@
         </p:nvSpPr>
         <p:spPr>
           <a:xfrm>
-            <a:off x="6173432" y="4375244"/>
+            <a:off x="5736703" y="4634551"/>
             <a:ext cx="312906" cy="369332"/>
           </a:xfrm>
           <a:prstGeom prst="rect">
@@ -11782,7 +11935,7 @@
 </p:sld>
 </file>
 
-<file path=ppt/slides/slide15.xml><?xml version="1.0" encoding="utf-8"?>
+<file path=ppt/slides/slide16.xml><?xml version="1.0" encoding="utf-8"?>
 <p:sld xmlns:a="http://schemas.openxmlformats.org/drawingml/2006/main" xmlns:r="http://schemas.openxmlformats.org/officeDocument/2006/relationships" xmlns:p="http://schemas.openxmlformats.org/presentationml/2006/main">
   <p:cSld>
     <p:spTree>
@@ -12447,7 +12600,7 @@
 </p:sld>
 </file>
 
-<file path=ppt/slides/slide16.xml><?xml version="1.0" encoding="utf-8"?>
+<file path=ppt/slides/slide17.xml><?xml version="1.0" encoding="utf-8"?>
 <p:sld xmlns:a="http://schemas.openxmlformats.org/drawingml/2006/main" xmlns:r="http://schemas.openxmlformats.org/officeDocument/2006/relationships" xmlns:p="http://schemas.openxmlformats.org/presentationml/2006/main">
   <p:cSld>
     <p:spTree>
@@ -12949,90 +13102,6 @@
 </p:sld>
 </file>
 
-<file path=ppt/slides/slide17.xml><?xml version="1.0" encoding="utf-8"?>
-<p:sld xmlns:a="http://schemas.openxmlformats.org/drawingml/2006/main" xmlns:r="http://schemas.openxmlformats.org/officeDocument/2006/relationships" xmlns:p="http://schemas.openxmlformats.org/presentationml/2006/main">
-  <p:cSld>
-    <p:spTree>
-      <p:nvGrpSpPr>
-        <p:cNvPr id="1" name=""/>
-        <p:cNvGrpSpPr/>
-        <p:nvPr/>
-      </p:nvGrpSpPr>
-      <p:grpSpPr>
-        <a:xfrm>
-          <a:off x="0" y="0"/>
-          <a:ext cx="0" cy="0"/>
-          <a:chOff x="0" y="0"/>
-          <a:chExt cx="0" cy="0"/>
-        </a:xfrm>
-      </p:grpSpPr>
-      <p:sp>
-        <p:nvSpPr>
-          <p:cNvPr id="2" name="タイトル 1">
-            <a:extLst>
-              <a:ext uri="{FF2B5EF4-FFF2-40B4-BE49-F238E27FC236}">
-                <a16:creationId xmlns:a16="http://schemas.microsoft.com/office/drawing/2014/main" id="{546CADF5-44DE-ED46-8CE2-50B894135079}"/>
-              </a:ext>
-            </a:extLst>
-          </p:cNvPr>
-          <p:cNvSpPr>
-            <a:spLocks noGrp="1"/>
-          </p:cNvSpPr>
-          <p:nvPr>
-            <p:ph type="title"/>
-          </p:nvPr>
-        </p:nvSpPr>
-        <p:spPr/>
-        <p:txBody>
-          <a:bodyPr/>
-          <a:lstStyle/>
-          <a:p>
-            <a:r>
-              <a:rPr lang="en" altLang="ja-JP"/>
-              <a:t>placing empty space close to the entrance</a:t>
-            </a:r>
-            <a:endParaRPr kumimoji="1" lang="ja-JP" altLang="en-US"/>
-          </a:p>
-        </p:txBody>
-      </p:sp>
-      <p:sp>
-        <p:nvSpPr>
-          <p:cNvPr id="3" name="コンテンツ プレースホルダー 2">
-            <a:extLst>
-              <a:ext uri="{FF2B5EF4-FFF2-40B4-BE49-F238E27FC236}">
-                <a16:creationId xmlns:a16="http://schemas.microsoft.com/office/drawing/2014/main" id="{C80A7A15-85D4-4D44-A234-7AC105792BD1}"/>
-              </a:ext>
-            </a:extLst>
-          </p:cNvPr>
-          <p:cNvSpPr>
-            <a:spLocks noGrp="1"/>
-          </p:cNvSpPr>
-          <p:nvPr>
-            <p:ph idx="1"/>
-          </p:nvPr>
-        </p:nvSpPr>
-        <p:spPr/>
-        <p:txBody>
-          <a:bodyPr/>
-          <a:lstStyle/>
-          <a:p>
-            <a:endParaRPr kumimoji="1" lang="ja-JP" altLang="en-US"/>
-          </a:p>
-        </p:txBody>
-      </p:sp>
-    </p:spTree>
-    <p:extLst>
-      <p:ext uri="{BB962C8B-B14F-4D97-AF65-F5344CB8AC3E}">
-        <p14:creationId xmlns:p14="http://schemas.microsoft.com/office/powerpoint/2010/main" val="1273188350"/>
-      </p:ext>
-    </p:extLst>
-  </p:cSld>
-  <p:clrMapOvr>
-    <a:masterClrMapping/>
-  </p:clrMapOvr>
-</p:sld>
-</file>
-
 <file path=ppt/slides/slide18.xml><?xml version="1.0" encoding="utf-8"?>
 <p:sld xmlns:a="http://schemas.openxmlformats.org/drawingml/2006/main" xmlns:r="http://schemas.openxmlformats.org/officeDocument/2006/relationships" xmlns:p="http://schemas.openxmlformats.org/presentationml/2006/main">
   <p:cSld>
@@ -13055,7 +13124,7 @@
           <p:cNvPr id="2" name="タイトル 1">
             <a:extLst>
               <a:ext uri="{FF2B5EF4-FFF2-40B4-BE49-F238E27FC236}">
-                <a16:creationId xmlns:a16="http://schemas.microsoft.com/office/drawing/2014/main" id="{D6E9A7F1-EC3C-894A-8E9E-0981C4CA834A}"/>
+                <a16:creationId xmlns:a16="http://schemas.microsoft.com/office/drawing/2014/main" id="{546CADF5-44DE-ED46-8CE2-50B894135079}"/>
               </a:ext>
             </a:extLst>
           </p:cNvPr>
@@ -13072,8 +13141,8 @@
           <a:lstStyle/>
           <a:p>
             <a:r>
-              <a:rPr lang="en-US" altLang="ja-JP" dirty="0"/>
-              <a:t>Constraints</a:t>
+              <a:rPr lang="en" altLang="ja-JP"/>
+              <a:t>placing empty space close to the entrance</a:t>
             </a:r>
             <a:endParaRPr kumimoji="1" lang="ja-JP" altLang="en-US"/>
           </a:p>
@@ -13084,7 +13153,7 @@
           <p:cNvPr id="3" name="コンテンツ プレースホルダー 2">
             <a:extLst>
               <a:ext uri="{FF2B5EF4-FFF2-40B4-BE49-F238E27FC236}">
-                <a16:creationId xmlns:a16="http://schemas.microsoft.com/office/drawing/2014/main" id="{9D01FC0B-1A3C-FE4D-82C1-224B072D7881}"/>
+                <a16:creationId xmlns:a16="http://schemas.microsoft.com/office/drawing/2014/main" id="{C80A7A15-85D4-4D44-A234-7AC105792BD1}"/>
               </a:ext>
             </a:extLst>
           </p:cNvPr>
@@ -13097,57 +13166,54 @@
         </p:nvSpPr>
         <p:spPr/>
         <p:txBody>
-          <a:bodyPr>
-            <a:normAutofit/>
-          </a:bodyPr>
-          <a:lstStyle/>
-          <a:p>
-            <a:pPr>
-              <a:buFont typeface="+mj-lt"/>
-              <a:buAutoNum type="arabicPeriod"/>
-            </a:pPr>
-            <a:r>
-              <a:rPr kumimoji="1" lang="en-US" altLang="ja-JP" sz="2400" dirty="0"/>
-              <a:t>Travel routes in the ship</a:t>
-            </a:r>
-          </a:p>
-          <a:p>
-            <a:pPr>
-              <a:buFont typeface="+mj-lt"/>
-              <a:buAutoNum type="arabicPeriod"/>
-            </a:pPr>
-            <a:r>
-              <a:rPr lang="en" altLang="ja-JP" sz="2400" dirty="0"/>
-              <a:t>Weight balance of cargo</a:t>
-            </a:r>
-          </a:p>
-          <a:p>
-            <a:pPr>
-              <a:buFont typeface="+mj-lt"/>
-              <a:buAutoNum type="arabicPeriod"/>
-            </a:pPr>
-            <a:r>
-              <a:rPr lang="en" altLang="ja-JP" sz="2400" dirty="0"/>
-              <a:t>Rules for splitting orders</a:t>
-            </a:r>
-          </a:p>
-          <a:p>
-            <a:pPr>
-              <a:buFont typeface="+mj-lt"/>
-              <a:buAutoNum type="arabicPeriod"/>
-            </a:pPr>
-            <a:r>
-              <a:rPr lang="en" altLang="ja-JP" sz="2400" dirty="0"/>
-              <a:t>Height of the hold</a:t>
-            </a:r>
-            <a:endParaRPr kumimoji="1" lang="ja-JP" altLang="en-US" sz="2400"/>
+          <a:bodyPr/>
+          <a:lstStyle/>
+          <a:p>
+            <a:r>
+              <a:rPr lang="en-US" altLang="ja-JP" sz="2400" dirty="0"/>
+              <a:t>The ship has 12 floors and the entrance is on the 5</a:t>
+            </a:r>
+            <a:r>
+              <a:rPr lang="en-US" altLang="ja-JP" sz="2400" baseline="30000" dirty="0"/>
+              <a:t>th</a:t>
+            </a:r>
+            <a:r>
+              <a:rPr lang="en-US" altLang="ja-JP" sz="2400" dirty="0"/>
+              <a:t> floor.</a:t>
+            </a:r>
+          </a:p>
+          <a:p>
+            <a:r>
+              <a:rPr lang="en-US" altLang="ja-JP" sz="2400" dirty="0"/>
+              <a:t>If there are lots of empty space in the 5</a:t>
+            </a:r>
+            <a:r>
+              <a:rPr lang="en-US" altLang="ja-JP" sz="2400" baseline="30000" dirty="0"/>
+              <a:t>th</a:t>
+            </a:r>
+            <a:r>
+              <a:rPr lang="en-US" altLang="ja-JP" sz="2400" dirty="0"/>
+              <a:t> floor’s holds, we get more profit.</a:t>
+            </a:r>
+          </a:p>
+          <a:p>
+            <a:r>
+              <a:rPr lang="en-US" altLang="ja-JP" sz="2400" dirty="0"/>
+              <a:t>We subtract that profit from the objective function.</a:t>
+            </a:r>
+          </a:p>
+          <a:p>
+            <a:endParaRPr lang="en-US" altLang="ja-JP" sz="2400" dirty="0"/>
+          </a:p>
+          <a:p>
+            <a:endParaRPr kumimoji="1" lang="ja-JP" altLang="en-US"/>
           </a:p>
         </p:txBody>
       </p:sp>
     </p:spTree>
     <p:extLst>
       <p:ext uri="{BB962C8B-B14F-4D97-AF65-F5344CB8AC3E}">
-        <p14:creationId xmlns:p14="http://schemas.microsoft.com/office/powerpoint/2010/main" val="3557686308"/>
+        <p14:creationId xmlns:p14="http://schemas.microsoft.com/office/powerpoint/2010/main" val="1273188350"/>
       </p:ext>
     </p:extLst>
   </p:cSld>
@@ -13179,7 +13245,7 @@
           <p:cNvPr id="2" name="タイトル 1">
             <a:extLst>
               <a:ext uri="{FF2B5EF4-FFF2-40B4-BE49-F238E27FC236}">
-                <a16:creationId xmlns:a16="http://schemas.microsoft.com/office/drawing/2014/main" id="{C31306A2-0982-6849-939B-C8AF835661CA}"/>
+                <a16:creationId xmlns:a16="http://schemas.microsoft.com/office/drawing/2014/main" id="{D6E9A7F1-EC3C-894A-8E9E-0981C4CA834A}"/>
               </a:ext>
             </a:extLst>
           </p:cNvPr>
@@ -13196,8 +13262,8 @@
           <a:lstStyle/>
           <a:p>
             <a:r>
-              <a:rPr kumimoji="1" lang="en-US" altLang="ja-JP" dirty="0"/>
-              <a:t>Travel paths in the ship</a:t>
+              <a:rPr lang="en-US" altLang="ja-JP" dirty="0"/>
+              <a:t>Constraints</a:t>
             </a:r>
             <a:endParaRPr kumimoji="1" lang="ja-JP" altLang="en-US"/>
           </a:p>
@@ -13208,7 +13274,7 @@
           <p:cNvPr id="3" name="コンテンツ プレースホルダー 2">
             <a:extLst>
               <a:ext uri="{FF2B5EF4-FFF2-40B4-BE49-F238E27FC236}">
-                <a16:creationId xmlns:a16="http://schemas.microsoft.com/office/drawing/2014/main" id="{B168A923-369D-B948-B317-BB629C56578E}"/>
+                <a16:creationId xmlns:a16="http://schemas.microsoft.com/office/drawing/2014/main" id="{9D01FC0B-1A3C-FE4D-82C1-224B072D7881}"/>
               </a:ext>
             </a:extLst>
           </p:cNvPr>
@@ -13226,15 +13292,43 @@
           </a:bodyPr>
           <a:lstStyle/>
           <a:p>
+            <a:pPr>
+              <a:buFont typeface="+mj-lt"/>
+              <a:buAutoNum type="arabicPeriod"/>
+            </a:pPr>
+            <a:r>
+              <a:rPr kumimoji="1" lang="en-US" altLang="ja-JP" sz="2400" dirty="0"/>
+              <a:t>Travel routes in the ship</a:t>
+            </a:r>
+          </a:p>
+          <a:p>
+            <a:pPr>
+              <a:buFont typeface="+mj-lt"/>
+              <a:buAutoNum type="arabicPeriod"/>
+            </a:pPr>
             <a:r>
               <a:rPr lang="en" altLang="ja-JP" sz="2400" dirty="0"/>
-              <a:t>we secure a path for cars to be able to pass.</a:t>
-            </a:r>
-          </a:p>
-          <a:p>
+              <a:t>Weight balance of cargo</a:t>
+            </a:r>
+          </a:p>
+          <a:p>
+            <a:pPr>
+              <a:buFont typeface="+mj-lt"/>
+              <a:buAutoNum type="arabicPeriod"/>
+            </a:pPr>
             <a:r>
               <a:rPr lang="en" altLang="ja-JP" sz="2400" dirty="0"/>
-              <a:t>this constraint leads to no infeasible assignment.</a:t>
+              <a:t>Rules for splitting orders</a:t>
+            </a:r>
+          </a:p>
+          <a:p>
+            <a:pPr>
+              <a:buFont typeface="+mj-lt"/>
+              <a:buAutoNum type="arabicPeriod"/>
+            </a:pPr>
+            <a:r>
+              <a:rPr lang="en" altLang="ja-JP" sz="2400" dirty="0"/>
+              <a:t>Height of the hold</a:t>
             </a:r>
             <a:endParaRPr kumimoji="1" lang="ja-JP" altLang="en-US" sz="2400"/>
           </a:p>
@@ -13243,7 +13337,7 @@
     </p:spTree>
     <p:extLst>
       <p:ext uri="{BB962C8B-B14F-4D97-AF65-F5344CB8AC3E}">
-        <p14:creationId xmlns:p14="http://schemas.microsoft.com/office/powerpoint/2010/main" val="739955743"/>
+        <p14:creationId xmlns:p14="http://schemas.microsoft.com/office/powerpoint/2010/main" val="3557686308"/>
       </p:ext>
     </p:extLst>
   </p:cSld>
@@ -13395,6 +13489,417 @@
           <p:cNvPr id="2" name="タイトル 1">
             <a:extLst>
               <a:ext uri="{FF2B5EF4-FFF2-40B4-BE49-F238E27FC236}">
+                <a16:creationId xmlns:a16="http://schemas.microsoft.com/office/drawing/2014/main" id="{C31306A2-0982-6849-939B-C8AF835661CA}"/>
+              </a:ext>
+            </a:extLst>
+          </p:cNvPr>
+          <p:cNvSpPr>
+            <a:spLocks noGrp="1"/>
+          </p:cNvSpPr>
+          <p:nvPr>
+            <p:ph type="title"/>
+          </p:nvPr>
+        </p:nvSpPr>
+        <p:spPr/>
+        <p:txBody>
+          <a:bodyPr/>
+          <a:lstStyle/>
+          <a:p>
+            <a:r>
+              <a:rPr kumimoji="1" lang="en-US" altLang="ja-JP" dirty="0"/>
+              <a:t>Travel paths in the ship</a:t>
+            </a:r>
+            <a:endParaRPr kumimoji="1" lang="ja-JP" altLang="en-US"/>
+          </a:p>
+        </p:txBody>
+      </p:sp>
+      <mc:AlternateContent xmlns:mc="http://schemas.openxmlformats.org/markup-compatibility/2006" xmlns:a14="http://schemas.microsoft.com/office/drawing/2010/main">
+        <mc:Choice Requires="a14">
+          <p:sp>
+            <p:nvSpPr>
+              <p:cNvPr id="3" name="コンテンツ プレースホルダー 2">
+                <a:extLst>
+                  <a:ext uri="{FF2B5EF4-FFF2-40B4-BE49-F238E27FC236}">
+                    <a16:creationId xmlns:a16="http://schemas.microsoft.com/office/drawing/2014/main" id="{B168A923-369D-B948-B317-BB629C56578E}"/>
+                  </a:ext>
+                </a:extLst>
+              </p:cNvPr>
+              <p:cNvSpPr>
+                <a:spLocks noGrp="1"/>
+              </p:cNvSpPr>
+              <p:nvPr>
+                <p:ph idx="1"/>
+              </p:nvPr>
+            </p:nvSpPr>
+            <p:spPr/>
+            <p:txBody>
+              <a:bodyPr>
+                <a:normAutofit/>
+              </a:bodyPr>
+              <a:lstStyle/>
+              <a:p>
+                <a:r>
+                  <a:rPr lang="en" altLang="ja-JP" sz="2400" dirty="0"/>
+                  <a:t>we secure a path for cars to be able to pass.</a:t>
+                </a:r>
+              </a:p>
+              <a:p>
+                <a:r>
+                  <a:rPr kumimoji="1" lang="en" altLang="ja-JP" sz="2400" dirty="0"/>
+                  <a:t>For each hold I,</a:t>
+                </a:r>
+                <a:r>
+                  <a:rPr lang="en-US" altLang="ja-JP" sz="2200" dirty="0"/>
+                  <a:t> we define</a:t>
+                </a:r>
+              </a:p>
+              <a:p>
+                <a:pPr lvl="1"/>
+                <a:r>
+                  <a:rPr lang="en" altLang="ja-JP" sz="2200" dirty="0"/>
+                  <a:t>the current filling rate as </a:t>
+                </a:r>
+                <a14:m>
+                  <m:oMath xmlns:m="http://schemas.openxmlformats.org/officeDocument/2006/math">
+                    <m:sSub>
+                      <m:sSubPr>
+                        <m:ctrlPr>
+                          <a:rPr lang="en" altLang="ja-JP" sz="2200" i="1" smtClean="0">
+                            <a:latin typeface="Cambria Math" panose="02040503050406030204" pitchFamily="18" charset="0"/>
+                          </a:rPr>
+                        </m:ctrlPr>
+                      </m:sSubPr>
+                      <m:e>
+                        <m:r>
+                          <a:rPr lang="en-US" altLang="ja-JP" sz="2200" b="0" i="1" smtClean="0">
+                            <a:latin typeface="Cambria Math" panose="02040503050406030204" pitchFamily="18" charset="0"/>
+                          </a:rPr>
+                          <m:t>𝑞</m:t>
+                        </m:r>
+                      </m:e>
+                      <m:sub>
+                        <m:r>
+                          <a:rPr lang="en-US" altLang="ja-JP" sz="2200" b="0" i="1" smtClean="0">
+                            <a:latin typeface="Cambria Math" panose="02040503050406030204" pitchFamily="18" charset="0"/>
+                          </a:rPr>
+                          <m:t>𝑖</m:t>
+                        </m:r>
+                      </m:sub>
+                    </m:sSub>
+                  </m:oMath>
+                </a14:m>
+                <a:endParaRPr kumimoji="1" lang="en" altLang="ja-JP" sz="2200" dirty="0"/>
+              </a:p>
+              <a:p>
+                <a:pPr lvl="1"/>
+                <a:r>
+                  <a:rPr lang="en" altLang="ja-JP" sz="2200" dirty="0"/>
+                  <a:t>the maximum filling rate that a car can pass as </a:t>
+                </a:r>
+                <a14:m>
+                  <m:oMath xmlns:m="http://schemas.openxmlformats.org/officeDocument/2006/math">
+                    <m:sSub>
+                      <m:sSubPr>
+                        <m:ctrlPr>
+                          <a:rPr lang="en" altLang="ja-JP" sz="2200" i="1" smtClean="0">
+                            <a:latin typeface="Cambria Math" panose="02040503050406030204" pitchFamily="18" charset="0"/>
+                          </a:rPr>
+                        </m:ctrlPr>
+                      </m:sSubPr>
+                      <m:e>
+                        <m:acc>
+                          <m:accPr>
+                            <m:chr m:val="̅"/>
+                            <m:ctrlPr>
+                              <a:rPr lang="en" altLang="ja-JP" sz="2200" i="1" smtClean="0">
+                                <a:latin typeface="Cambria Math" panose="02040503050406030204" pitchFamily="18" charset="0"/>
+                              </a:rPr>
+                            </m:ctrlPr>
+                          </m:accPr>
+                          <m:e>
+                            <m:r>
+                              <a:rPr lang="en-US" altLang="ja-JP" sz="2200" b="0" i="1" smtClean="0">
+                                <a:latin typeface="Cambria Math" panose="02040503050406030204" pitchFamily="18" charset="0"/>
+                              </a:rPr>
+                              <m:t>𝑞</m:t>
+                            </m:r>
+                          </m:e>
+                        </m:acc>
+                      </m:e>
+                      <m:sub>
+                        <m:r>
+                          <a:rPr lang="en-US" altLang="ja-JP" sz="2200" b="0" i="1" smtClean="0">
+                            <a:latin typeface="Cambria Math" panose="02040503050406030204" pitchFamily="18" charset="0"/>
+                          </a:rPr>
+                          <m:t>𝑖</m:t>
+                        </m:r>
+                      </m:sub>
+                    </m:sSub>
+                  </m:oMath>
+                </a14:m>
+                <a:endParaRPr lang="en" altLang="ja-JP" sz="2200" dirty="0"/>
+              </a:p>
+              <a:p>
+                <a:r>
+                  <a:rPr lang="en" altLang="ja-JP" sz="2400" dirty="0"/>
+                  <a:t>for every hold </a:t>
+                </a:r>
+                <a14:m>
+                  <m:oMath xmlns:m="http://schemas.openxmlformats.org/officeDocument/2006/math">
+                    <m:sSup>
+                      <m:sSupPr>
+                        <m:ctrlPr>
+                          <a:rPr lang="en" altLang="ja-JP" sz="2400" i="1" smtClean="0">
+                            <a:latin typeface="Cambria Math" panose="02040503050406030204" pitchFamily="18" charset="0"/>
+                          </a:rPr>
+                        </m:ctrlPr>
+                      </m:sSupPr>
+                      <m:e>
+                        <m:r>
+                          <a:rPr lang="en-US" altLang="ja-JP" sz="2400" b="0" i="1" smtClean="0">
+                            <a:latin typeface="Cambria Math" panose="02040503050406030204" pitchFamily="18" charset="0"/>
+                          </a:rPr>
+                          <m:t>𝑖</m:t>
+                        </m:r>
+                      </m:e>
+                      <m:sup>
+                        <m:r>
+                          <a:rPr lang="en-US" altLang="ja-JP" sz="2400" b="0" i="1" smtClean="0">
+                            <a:latin typeface="Cambria Math" panose="02040503050406030204" pitchFamily="18" charset="0"/>
+                          </a:rPr>
+                          <m:t>∗</m:t>
+                        </m:r>
+                      </m:sup>
+                    </m:sSup>
+                  </m:oMath>
+                </a14:m>
+                <a:r>
+                  <a:rPr lang="en" altLang="ja-JP" sz="2400" dirty="0"/>
+                  <a:t> that becomes a path through,</a:t>
+                </a:r>
+                <a:br>
+                  <a:rPr lang="en" altLang="ja-JP" sz="2400" dirty="0"/>
+                </a:br>
+                <a:r>
+                  <a:rPr lang="en" altLang="ja-JP" sz="2400" dirty="0"/>
+                  <a:t>                              </a:t>
+                </a:r>
+                <a14:m>
+                  <m:oMath xmlns:m="http://schemas.openxmlformats.org/officeDocument/2006/math">
+                    <m:sSub>
+                      <m:sSubPr>
+                        <m:ctrlPr>
+                          <a:rPr lang="en" altLang="ja-JP" sz="2400" i="1" smtClean="0">
+                            <a:latin typeface="Cambria Math" panose="02040503050406030204" pitchFamily="18" charset="0"/>
+                          </a:rPr>
+                        </m:ctrlPr>
+                      </m:sSubPr>
+                      <m:e>
+                        <m:r>
+                          <a:rPr lang="en-US" altLang="ja-JP" sz="2400" b="0" i="1" smtClean="0">
+                            <a:latin typeface="Cambria Math" panose="02040503050406030204" pitchFamily="18" charset="0"/>
+                          </a:rPr>
+                          <m:t>𝑞</m:t>
+                        </m:r>
+                      </m:e>
+                      <m:sub>
+                        <m:sSup>
+                          <m:sSupPr>
+                            <m:ctrlPr>
+                              <a:rPr lang="en" altLang="ja-JP" sz="2400" i="1" smtClean="0">
+                                <a:latin typeface="Cambria Math" panose="02040503050406030204" pitchFamily="18" charset="0"/>
+                              </a:rPr>
+                            </m:ctrlPr>
+                          </m:sSupPr>
+                          <m:e>
+                            <m:r>
+                              <a:rPr lang="en-US" altLang="ja-JP" sz="2400" b="0" i="1" smtClean="0">
+                                <a:latin typeface="Cambria Math" panose="02040503050406030204" pitchFamily="18" charset="0"/>
+                              </a:rPr>
+                              <m:t>𝑖</m:t>
+                            </m:r>
+                          </m:e>
+                          <m:sup>
+                            <m:r>
+                              <a:rPr lang="en-US" altLang="ja-JP" sz="2400" b="0" i="1" smtClean="0">
+                                <a:latin typeface="Cambria Math" panose="02040503050406030204" pitchFamily="18" charset="0"/>
+                              </a:rPr>
+                              <m:t>∗</m:t>
+                            </m:r>
+                          </m:sup>
+                        </m:sSup>
+                      </m:sub>
+                    </m:sSub>
+                    <m:r>
+                      <a:rPr lang="en-US" altLang="ja-JP" sz="2400" b="0" i="1" smtClean="0">
+                        <a:latin typeface="Cambria Math" panose="02040503050406030204" pitchFamily="18" charset="0"/>
+                      </a:rPr>
+                      <m:t> </m:t>
+                    </m:r>
+                    <m:r>
+                      <a:rPr lang="en" altLang="ja-JP" sz="2400" i="1" smtClean="0">
+                        <a:latin typeface="Cambria Math" panose="02040503050406030204" pitchFamily="18" charset="0"/>
+                        <a:ea typeface="Cambria Math" panose="02040503050406030204" pitchFamily="18" charset="0"/>
+                      </a:rPr>
+                      <m:t>≤</m:t>
+                    </m:r>
+                    <m:r>
+                      <a:rPr lang="en-US" altLang="ja-JP" sz="2400" b="0" i="1" smtClean="0">
+                        <a:latin typeface="Cambria Math" panose="02040503050406030204" pitchFamily="18" charset="0"/>
+                        <a:ea typeface="Cambria Math" panose="02040503050406030204" pitchFamily="18" charset="0"/>
+                      </a:rPr>
+                      <m:t> </m:t>
+                    </m:r>
+                    <m:acc>
+                      <m:accPr>
+                        <m:chr m:val="̅"/>
+                        <m:ctrlPr>
+                          <a:rPr lang="en-US" altLang="ja-JP" sz="2400" b="0" i="1" smtClean="0">
+                            <a:latin typeface="Cambria Math" panose="02040503050406030204" pitchFamily="18" charset="0"/>
+                            <a:ea typeface="Cambria Math" panose="02040503050406030204" pitchFamily="18" charset="0"/>
+                          </a:rPr>
+                        </m:ctrlPr>
+                      </m:accPr>
+                      <m:e>
+                        <m:sSub>
+                          <m:sSubPr>
+                            <m:ctrlPr>
+                              <a:rPr lang="en-US" altLang="ja-JP" sz="2400" b="0" i="1" smtClean="0">
+                                <a:latin typeface="Cambria Math" panose="02040503050406030204" pitchFamily="18" charset="0"/>
+                                <a:ea typeface="Cambria Math" panose="02040503050406030204" pitchFamily="18" charset="0"/>
+                              </a:rPr>
+                            </m:ctrlPr>
+                          </m:sSubPr>
+                          <m:e>
+                            <m:r>
+                              <a:rPr lang="en-US" altLang="ja-JP" sz="2400" b="0" i="1" smtClean="0">
+                                <a:latin typeface="Cambria Math" panose="02040503050406030204" pitchFamily="18" charset="0"/>
+                                <a:ea typeface="Cambria Math" panose="02040503050406030204" pitchFamily="18" charset="0"/>
+                              </a:rPr>
+                              <m:t>𝑞</m:t>
+                            </m:r>
+                          </m:e>
+                          <m:sub>
+                            <m:sSup>
+                              <m:sSupPr>
+                                <m:ctrlPr>
+                                  <a:rPr lang="en-US" altLang="ja-JP" sz="2400" b="0" i="1" smtClean="0">
+                                    <a:latin typeface="Cambria Math" panose="02040503050406030204" pitchFamily="18" charset="0"/>
+                                    <a:ea typeface="Cambria Math" panose="02040503050406030204" pitchFamily="18" charset="0"/>
+                                  </a:rPr>
+                                </m:ctrlPr>
+                              </m:sSupPr>
+                              <m:e>
+                                <m:r>
+                                  <a:rPr lang="en-US" altLang="ja-JP" sz="2400" b="0" i="1" smtClean="0">
+                                    <a:latin typeface="Cambria Math" panose="02040503050406030204" pitchFamily="18" charset="0"/>
+                                    <a:ea typeface="Cambria Math" panose="02040503050406030204" pitchFamily="18" charset="0"/>
+                                  </a:rPr>
+                                  <m:t>𝑖</m:t>
+                                </m:r>
+                              </m:e>
+                              <m:sup>
+                                <m:r>
+                                  <a:rPr lang="en-US" altLang="ja-JP" sz="2400" b="0" i="1" smtClean="0">
+                                    <a:latin typeface="Cambria Math" panose="02040503050406030204" pitchFamily="18" charset="0"/>
+                                    <a:ea typeface="Cambria Math" panose="02040503050406030204" pitchFamily="18" charset="0"/>
+                                  </a:rPr>
+                                  <m:t>∗</m:t>
+                                </m:r>
+                              </m:sup>
+                            </m:sSup>
+                          </m:sub>
+                        </m:sSub>
+                      </m:e>
+                    </m:acc>
+                  </m:oMath>
+                </a14:m>
+                <a:endParaRPr lang="en" altLang="ja-JP" sz="2400" dirty="0"/>
+              </a:p>
+              <a:p>
+                <a:pPr marL="0" indent="0">
+                  <a:buNone/>
+                </a:pPr>
+                <a:endParaRPr lang="en" altLang="ja-JP" sz="2400" dirty="0"/>
+              </a:p>
+            </p:txBody>
+          </p:sp>
+        </mc:Choice>
+        <mc:Fallback xmlns="">
+          <p:sp>
+            <p:nvSpPr>
+              <p:cNvPr id="3" name="コンテンツ プレースホルダー 2">
+                <a:extLst>
+                  <a:ext uri="{FF2B5EF4-FFF2-40B4-BE49-F238E27FC236}">
+                    <a16:creationId xmlns:a16="http://schemas.microsoft.com/office/drawing/2014/main" id="{B168A923-369D-B948-B317-BB629C56578E}"/>
+                  </a:ext>
+                </a:extLst>
+              </p:cNvPr>
+              <p:cNvSpPr>
+                <a:spLocks noGrp="1" noRot="1" noChangeAspect="1" noMove="1" noResize="1" noEditPoints="1" noAdjustHandles="1" noChangeArrowheads="1" noChangeShapeType="1" noTextEdit="1"/>
+              </p:cNvSpPr>
+              <p:nvPr>
+                <p:ph idx="1"/>
+              </p:nvPr>
+            </p:nvSpPr>
+            <p:spPr>
+              <a:blipFill>
+                <a:blip r:embed="rId2"/>
+                <a:stretch>
+                  <a:fillRect l="-997" t="-1347"/>
+                </a:stretch>
+              </a:blipFill>
+            </p:spPr>
+            <p:txBody>
+              <a:bodyPr/>
+              <a:lstStyle/>
+              <a:p>
+                <a:r>
+                  <a:rPr lang="ja-JP" altLang="en-US">
+                    <a:noFill/>
+                  </a:rPr>
+                  <a:t> </a:t>
+                </a:r>
+              </a:p>
+            </p:txBody>
+          </p:sp>
+        </mc:Fallback>
+      </mc:AlternateContent>
+    </p:spTree>
+    <p:extLst>
+      <p:ext uri="{BB962C8B-B14F-4D97-AF65-F5344CB8AC3E}">
+        <p14:creationId xmlns:p14="http://schemas.microsoft.com/office/powerpoint/2010/main" val="739955743"/>
+      </p:ext>
+    </p:extLst>
+  </p:cSld>
+  <p:clrMapOvr>
+    <a:masterClrMapping/>
+  </p:clrMapOvr>
+</p:sld>
+</file>
+
+<file path=ppt/slides/slide21.xml><?xml version="1.0" encoding="utf-8"?>
+<p:sld xmlns:a="http://schemas.openxmlformats.org/drawingml/2006/main" xmlns:r="http://schemas.openxmlformats.org/officeDocument/2006/relationships" xmlns:p="http://schemas.openxmlformats.org/presentationml/2006/main">
+  <p:cSld>
+    <p:spTree>
+      <p:nvGrpSpPr>
+        <p:cNvPr id="1" name=""/>
+        <p:cNvGrpSpPr/>
+        <p:nvPr/>
+      </p:nvGrpSpPr>
+      <p:grpSpPr>
+        <a:xfrm>
+          <a:off x="0" y="0"/>
+          <a:ext cx="0" cy="0"/>
+          <a:chOff x="0" y="0"/>
+          <a:chExt cx="0" cy="0"/>
+        </a:xfrm>
+      </p:grpSpPr>
+      <p:sp>
+        <p:nvSpPr>
+          <p:cNvPr id="2" name="タイトル 1">
+            <a:extLst>
+              <a:ext uri="{FF2B5EF4-FFF2-40B4-BE49-F238E27FC236}">
                 <a16:creationId xmlns:a16="http://schemas.microsoft.com/office/drawing/2014/main" id="{2C9AF7B9-F858-7546-9DA7-F0B972955209}"/>
               </a:ext>
             </a:extLst>
@@ -13470,7 +13975,7 @@
             <a:pPr lvl="1"/>
             <a:r>
               <a:rPr lang="en" altLang="ja-JP" sz="2400" dirty="0"/>
-              <a:t>Left-right direction</a:t>
+              <a:t>Vertical direction</a:t>
             </a:r>
             <a:endParaRPr lang="en" altLang="ja-JP" sz="2200" dirty="0"/>
           </a:p>
@@ -13519,149 +14024,6 @@
 </p:sld>
 </file>
 
-<file path=ppt/slides/slide21.xml><?xml version="1.0" encoding="utf-8"?>
-<p:sld xmlns:a="http://schemas.openxmlformats.org/drawingml/2006/main" xmlns:r="http://schemas.openxmlformats.org/officeDocument/2006/relationships" xmlns:p="http://schemas.openxmlformats.org/presentationml/2006/main">
-  <p:cSld>
-    <p:spTree>
-      <p:nvGrpSpPr>
-        <p:cNvPr id="1" name=""/>
-        <p:cNvGrpSpPr/>
-        <p:nvPr/>
-      </p:nvGrpSpPr>
-      <p:grpSpPr>
-        <a:xfrm>
-          <a:off x="0" y="0"/>
-          <a:ext cx="0" cy="0"/>
-          <a:chOff x="0" y="0"/>
-          <a:chExt cx="0" cy="0"/>
-        </a:xfrm>
-      </p:grpSpPr>
-      <p:sp>
-        <p:nvSpPr>
-          <p:cNvPr id="2" name="タイトル 1">
-            <a:extLst>
-              <a:ext uri="{FF2B5EF4-FFF2-40B4-BE49-F238E27FC236}">
-                <a16:creationId xmlns:a16="http://schemas.microsoft.com/office/drawing/2014/main" id="{FA54F382-2600-5B4C-9F1F-495485F1FD09}"/>
-              </a:ext>
-            </a:extLst>
-          </p:cNvPr>
-          <p:cNvSpPr>
-            <a:spLocks noGrp="1"/>
-          </p:cNvSpPr>
-          <p:nvPr>
-            <p:ph type="title"/>
-          </p:nvPr>
-        </p:nvSpPr>
-        <p:spPr/>
-        <p:txBody>
-          <a:bodyPr/>
-          <a:lstStyle/>
-          <a:p>
-            <a:r>
-              <a:rPr lang="en" altLang="ja-JP" dirty="0"/>
-              <a:t>Rules for splitting orders</a:t>
-            </a:r>
-            <a:br>
-              <a:rPr lang="ja-JP" altLang="en-US"/>
-            </a:br>
-            <a:endParaRPr kumimoji="1" lang="ja-JP" altLang="en-US"/>
-          </a:p>
-        </p:txBody>
-      </p:sp>
-      <p:sp>
-        <p:nvSpPr>
-          <p:cNvPr id="8" name="コンテンツ プレースホルダー 7">
-            <a:extLst>
-              <a:ext uri="{FF2B5EF4-FFF2-40B4-BE49-F238E27FC236}">
-                <a16:creationId xmlns:a16="http://schemas.microsoft.com/office/drawing/2014/main" id="{662709D6-0267-E446-B06A-7879774DA0E5}"/>
-              </a:ext>
-            </a:extLst>
-          </p:cNvPr>
-          <p:cNvSpPr>
-            <a:spLocks noGrp="1"/>
-          </p:cNvSpPr>
-          <p:nvPr>
-            <p:ph idx="1"/>
-          </p:nvPr>
-        </p:nvSpPr>
-        <p:spPr>
-          <a:xfrm>
-            <a:off x="2251881" y="1690254"/>
-            <a:ext cx="9594376" cy="4014510"/>
-          </a:xfrm>
-        </p:spPr>
-        <p:txBody>
-          <a:bodyPr/>
-          <a:lstStyle/>
-          <a:p>
-            <a:r>
-              <a:rPr lang="en-US" altLang="ja-JP" sz="2400" dirty="0"/>
-              <a:t>For large orders</a:t>
-            </a:r>
-            <a:r>
-              <a:rPr lang="en-US" altLang="ja-JP" sz="2400"/>
-              <a:t>, we split </a:t>
-            </a:r>
-            <a:r>
-              <a:rPr lang="en-US" altLang="ja-JP" sz="2400" dirty="0"/>
-              <a:t>them up.</a:t>
-            </a:r>
-          </a:p>
-          <a:p>
-            <a:pPr lvl="1"/>
-            <a:r>
-              <a:rPr lang="en-US" altLang="ja-JP" sz="2400" dirty="0"/>
-              <a:t>if the number of cars is over 500,</a:t>
-            </a:r>
-            <a:r>
-              <a:rPr lang="ja-JP" altLang="en-US" sz="2400"/>
-              <a:t> </a:t>
-            </a:r>
-            <a:r>
-              <a:rPr lang="en-US" altLang="ja-JP" sz="2400" dirty="0"/>
-              <a:t>we split the order in two.</a:t>
-            </a:r>
-          </a:p>
-          <a:p>
-            <a:pPr lvl="1"/>
-            <a:r>
-              <a:rPr lang="en-US" altLang="ja-JP" sz="2400" dirty="0"/>
-              <a:t>if the number of cars is over 1000,</a:t>
-            </a:r>
-            <a:r>
-              <a:rPr lang="ja-JP" altLang="en-US" sz="2400"/>
-              <a:t> </a:t>
-            </a:r>
-            <a:r>
-              <a:rPr lang="en-US" altLang="ja-JP" sz="2400" dirty="0"/>
-              <a:t>we split the order in three.</a:t>
-            </a:r>
-          </a:p>
-          <a:p>
-            <a:pPr lvl="1"/>
-            <a:r>
-              <a:rPr lang="en-US" altLang="ja-JP" sz="2200" dirty="0"/>
-              <a:t>If not, we do not split them up.</a:t>
-            </a:r>
-          </a:p>
-          <a:p>
-            <a:endParaRPr lang="en-US" altLang="ja-JP" dirty="0"/>
-          </a:p>
-        </p:txBody>
-      </p:sp>
-    </p:spTree>
-    <p:extLst>
-      <p:ext uri="{BB962C8B-B14F-4D97-AF65-F5344CB8AC3E}">
-        <p14:creationId xmlns:p14="http://schemas.microsoft.com/office/powerpoint/2010/main" val="1264003736"/>
-      </p:ext>
-    </p:extLst>
-  </p:cSld>
-  <p:clrMapOvr>
-    <a:masterClrMapping/>
-  </p:clrMapOvr>
-</p:sld>
-</file>
-
 <file path=ppt/slides/slide22.xml><?xml version="1.0" encoding="utf-8"?>
 <p:sld xmlns:a="http://schemas.openxmlformats.org/drawingml/2006/main" xmlns:r="http://schemas.openxmlformats.org/officeDocument/2006/relationships" xmlns:p="http://schemas.openxmlformats.org/presentationml/2006/main">
   <p:cSld>
@@ -13684,7 +14046,7 @@
           <p:cNvPr id="2" name="タイトル 1">
             <a:extLst>
               <a:ext uri="{FF2B5EF4-FFF2-40B4-BE49-F238E27FC236}">
-                <a16:creationId xmlns:a16="http://schemas.microsoft.com/office/drawing/2014/main" id="{036A086B-233B-EB4B-92C9-0367503863B9}"/>
+                <a16:creationId xmlns:a16="http://schemas.microsoft.com/office/drawing/2014/main" id="{D3BE51AA-6929-3442-966A-7D9EB4731FE2}"/>
               </a:ext>
             </a:extLst>
           </p:cNvPr>
@@ -13701,54 +14063,326 @@
           <a:lstStyle/>
           <a:p>
             <a:r>
-              <a:rPr lang="en-US" altLang="ja-JP" dirty="0"/>
-              <a:t>Height of the hold</a:t>
-            </a:r>
+              <a:rPr lang="en" altLang="ja-JP" dirty="0"/>
+              <a:t>Forward and backward direction</a:t>
+            </a:r>
+            <a:br>
+              <a:rPr lang="en" altLang="ja-JP" dirty="0"/>
+            </a:br>
             <a:endParaRPr kumimoji="1" lang="ja-JP" altLang="en-US"/>
           </a:p>
         </p:txBody>
       </p:sp>
-      <p:sp>
-        <p:nvSpPr>
-          <p:cNvPr id="3" name="コンテンツ プレースホルダー 2">
-            <a:extLst>
-              <a:ext uri="{FF2B5EF4-FFF2-40B4-BE49-F238E27FC236}">
-                <a16:creationId xmlns:a16="http://schemas.microsoft.com/office/drawing/2014/main" id="{16A684F3-B4E7-6345-BCB9-F0073D18D8E6}"/>
-              </a:ext>
-            </a:extLst>
-          </p:cNvPr>
-          <p:cNvSpPr>
-            <a:spLocks noGrp="1"/>
-          </p:cNvSpPr>
-          <p:nvPr>
-            <p:ph idx="1"/>
-          </p:nvPr>
-        </p:nvSpPr>
-        <p:spPr/>
-        <p:txBody>
-          <a:bodyPr>
-            <a:normAutofit/>
-          </a:bodyPr>
-          <a:lstStyle/>
-          <a:p>
-            <a:r>
-              <a:rPr kumimoji="1" lang="en-US" altLang="ja-JP" sz="2400" dirty="0"/>
-              <a:t>Each hold has height.</a:t>
-            </a:r>
-          </a:p>
-          <a:p>
-            <a:r>
-              <a:rPr lang="en-US" altLang="ja-JP" sz="2400" dirty="0"/>
-              <a:t>To place cars in holds, the height of the car needs to be lower than the height of the hold</a:t>
-            </a:r>
-            <a:endParaRPr kumimoji="1" lang="ja-JP" altLang="en-US" sz="2400"/>
-          </a:p>
-        </p:txBody>
-      </p:sp>
+      <mc:AlternateContent xmlns:mc="http://schemas.openxmlformats.org/markup-compatibility/2006" xmlns:a14="http://schemas.microsoft.com/office/drawing/2010/main">
+        <mc:Choice Requires="a14">
+          <p:sp>
+            <p:nvSpPr>
+              <p:cNvPr id="3" name="コンテンツ プレースホルダー 2">
+                <a:extLst>
+                  <a:ext uri="{FF2B5EF4-FFF2-40B4-BE49-F238E27FC236}">
+                    <a16:creationId xmlns:a16="http://schemas.microsoft.com/office/drawing/2014/main" id="{7A66D6AA-85AC-DC4D-AC2F-0EE32EC50F84}"/>
+                  </a:ext>
+                </a:extLst>
+              </p:cNvPr>
+              <p:cNvSpPr>
+                <a:spLocks noGrp="1"/>
+              </p:cNvSpPr>
+              <p:nvPr>
+                <p:ph idx="1"/>
+              </p:nvPr>
+            </p:nvSpPr>
+            <p:spPr/>
+            <p:txBody>
+              <a:bodyPr>
+                <a:normAutofit/>
+              </a:bodyPr>
+              <a:lstStyle/>
+              <a:p>
+                <a:r>
+                  <a:rPr lang="en" altLang="ja-JP" sz="2400" dirty="0"/>
+                  <a:t>For each hold 𝑖, we define a coefficient </a:t>
+                </a:r>
+                <a14:m>
+                  <m:oMath xmlns:m="http://schemas.openxmlformats.org/officeDocument/2006/math">
+                    <m:sSubSup>
+                      <m:sSubSupPr>
+                        <m:ctrlPr>
+                          <a:rPr lang="en" altLang="ja-JP" sz="2400" i="1" smtClean="0">
+                            <a:latin typeface="Cambria Math" panose="02040503050406030204" pitchFamily="18" charset="0"/>
+                          </a:rPr>
+                        </m:ctrlPr>
+                      </m:sSubSupPr>
+                      <m:e>
+                        <m:r>
+                          <a:rPr lang="en" altLang="ja-JP" sz="2400" i="1" smtClean="0">
+                            <a:latin typeface="Cambria Math" panose="02040503050406030204" pitchFamily="18" charset="0"/>
+                            <a:ea typeface="Cambria Math" panose="02040503050406030204" pitchFamily="18" charset="0"/>
+                          </a:rPr>
+                          <m:t>𝛿</m:t>
+                        </m:r>
+                      </m:e>
+                      <m:sub>
+                        <m:r>
+                          <a:rPr lang="en-US" altLang="ja-JP" sz="2400" b="0" i="1" smtClean="0">
+                            <a:latin typeface="Cambria Math" panose="02040503050406030204" pitchFamily="18" charset="0"/>
+                          </a:rPr>
+                          <m:t>𝑖</m:t>
+                        </m:r>
+                      </m:sub>
+                      <m:sup>
+                        <m:r>
+                          <a:rPr lang="en-US" altLang="ja-JP" sz="2400" b="0" i="1" smtClean="0">
+                            <a:latin typeface="Cambria Math" panose="02040503050406030204" pitchFamily="18" charset="0"/>
+                          </a:rPr>
+                          <m:t>h</m:t>
+                        </m:r>
+                      </m:sup>
+                    </m:sSubSup>
+                  </m:oMath>
+                </a14:m>
+                <a:endParaRPr kumimoji="1" lang="en-US" altLang="ja-JP" sz="2400" dirty="0"/>
+              </a:p>
+              <a:p>
+                <a:pPr lvl="1"/>
+                <a:r>
+                  <a:rPr lang="en" altLang="ja-JP" sz="2200" dirty="0"/>
+                  <a:t>Positive coefficient from center to forward hold</a:t>
+                </a:r>
+              </a:p>
+              <a:p>
+                <a:pPr lvl="1"/>
+                <a:r>
+                  <a:rPr lang="en" altLang="ja-JP" sz="2200" dirty="0"/>
+                  <a:t>negative coefficient from center to back hold</a:t>
+                </a:r>
+              </a:p>
+              <a:p>
+                <a:r>
+                  <a:rPr lang="en" altLang="ja-JP" sz="2400" dirty="0"/>
+                  <a:t>The closer the center of gravity is to zero in the forward and backward directions, the more stable the ship will be.</a:t>
+                </a:r>
+              </a:p>
+              <a:p>
+                <a:r>
+                  <a:rPr lang="en" altLang="ja-JP" sz="2400" dirty="0"/>
+                  <a:t>Let </a:t>
+                </a:r>
+                <a14:m>
+                  <m:oMath xmlns:m="http://schemas.openxmlformats.org/officeDocument/2006/math">
+                    <m:sSub>
+                      <m:sSubPr>
+                        <m:ctrlPr>
+                          <a:rPr lang="en" altLang="ja-JP" sz="2400" i="1" smtClean="0">
+                            <a:latin typeface="Cambria Math" panose="02040503050406030204" pitchFamily="18" charset="0"/>
+                          </a:rPr>
+                        </m:ctrlPr>
+                      </m:sSubPr>
+                      <m:e>
+                        <m:r>
+                          <a:rPr lang="en-US" altLang="ja-JP" sz="2400" b="0" i="1" smtClean="0">
+                            <a:latin typeface="Cambria Math" panose="02040503050406030204" pitchFamily="18" charset="0"/>
+                          </a:rPr>
+                          <m:t>𝑔</m:t>
+                        </m:r>
+                      </m:e>
+                      <m:sub>
+                        <m:r>
+                          <a:rPr lang="en-US" altLang="ja-JP" sz="2400" b="0" i="1" smtClean="0">
+                            <a:latin typeface="Cambria Math" panose="02040503050406030204" pitchFamily="18" charset="0"/>
+                          </a:rPr>
+                          <m:t>𝑗</m:t>
+                        </m:r>
+                      </m:sub>
+                    </m:sSub>
+                  </m:oMath>
+                </a14:m>
+                <a:r>
+                  <a:rPr lang="en" altLang="ja-JP" sz="2400" dirty="0"/>
+                  <a:t> be the weight of a car in each order 𝑗, </a:t>
+                </a:r>
+                <a:br>
+                  <a:rPr lang="en" altLang="ja-JP" sz="2400" dirty="0"/>
+                </a:br>
+                <a14:m>
+                  <m:oMath xmlns:m="http://schemas.openxmlformats.org/officeDocument/2006/math">
+                    <m:nary>
+                      <m:naryPr>
+                        <m:chr m:val="∑"/>
+                        <m:supHide m:val="on"/>
+                        <m:ctrlPr>
+                          <a:rPr lang="en" altLang="ja-JP" sz="2400" i="1" smtClean="0">
+                            <a:latin typeface="Cambria Math" panose="02040503050406030204" pitchFamily="18" charset="0"/>
+                          </a:rPr>
+                        </m:ctrlPr>
+                      </m:naryPr>
+                      <m:sub>
+                        <m:r>
+                          <m:rPr>
+                            <m:brk m:alnAt="7"/>
+                          </m:rPr>
+                          <a:rPr lang="en-US" altLang="ja-JP" sz="2400" b="0" i="1" smtClean="0">
+                            <a:latin typeface="Cambria Math" panose="02040503050406030204" pitchFamily="18" charset="0"/>
+                          </a:rPr>
+                          <m:t>𝑖</m:t>
+                        </m:r>
+                        <m:r>
+                          <a:rPr lang="en-US" altLang="ja-JP" sz="2400" b="0" i="1" smtClean="0">
+                            <a:latin typeface="Cambria Math" panose="02040503050406030204" pitchFamily="18" charset="0"/>
+                          </a:rPr>
+                          <m:t>,</m:t>
+                        </m:r>
+                        <m:r>
+                          <a:rPr lang="en-US" altLang="ja-JP" sz="2400" b="0" i="1" smtClean="0">
+                            <a:latin typeface="Cambria Math" panose="02040503050406030204" pitchFamily="18" charset="0"/>
+                          </a:rPr>
+                          <m:t>𝑗</m:t>
+                        </m:r>
+                      </m:sub>
+                      <m:sup/>
+                      <m:e>
+                        <m:sSub>
+                          <m:sSubPr>
+                            <m:ctrlPr>
+                              <a:rPr lang="en" altLang="ja-JP" sz="2400" i="1" smtClean="0">
+                                <a:latin typeface="Cambria Math" panose="02040503050406030204" pitchFamily="18" charset="0"/>
+                              </a:rPr>
+                            </m:ctrlPr>
+                          </m:sSubPr>
+                          <m:e>
+                            <m:r>
+                              <a:rPr lang="en-US" altLang="ja-JP" sz="2400" b="0" i="1" smtClean="0">
+                                <a:latin typeface="Cambria Math" panose="02040503050406030204" pitchFamily="18" charset="0"/>
+                              </a:rPr>
+                              <m:t>𝑔</m:t>
+                            </m:r>
+                          </m:e>
+                          <m:sub>
+                            <m:r>
+                              <a:rPr lang="en-US" altLang="ja-JP" sz="2400" b="0" i="1" smtClean="0">
+                                <a:latin typeface="Cambria Math" panose="02040503050406030204" pitchFamily="18" charset="0"/>
+                              </a:rPr>
+                              <m:t>𝑗</m:t>
+                            </m:r>
+                          </m:sub>
+                        </m:sSub>
+                        <m:sSubSup>
+                          <m:sSubSupPr>
+                            <m:ctrlPr>
+                              <a:rPr lang="en" altLang="ja-JP" sz="2400" i="1" smtClean="0">
+                                <a:latin typeface="Cambria Math" panose="02040503050406030204" pitchFamily="18" charset="0"/>
+                              </a:rPr>
+                            </m:ctrlPr>
+                          </m:sSubSupPr>
+                          <m:e>
+                            <m:r>
+                              <a:rPr lang="en" altLang="ja-JP" sz="2400" i="1" smtClean="0">
+                                <a:latin typeface="Cambria Math" panose="02040503050406030204" pitchFamily="18" charset="0"/>
+                                <a:ea typeface="Cambria Math" panose="02040503050406030204" pitchFamily="18" charset="0"/>
+                              </a:rPr>
+                              <m:t>𝛿</m:t>
+                            </m:r>
+                          </m:e>
+                          <m:sub>
+                            <m:r>
+                              <a:rPr lang="en-US" altLang="ja-JP" sz="2400" b="0" i="1" smtClean="0">
+                                <a:latin typeface="Cambria Math" panose="02040503050406030204" pitchFamily="18" charset="0"/>
+                              </a:rPr>
+                              <m:t>𝑖</m:t>
+                            </m:r>
+                          </m:sub>
+                          <m:sup>
+                            <m:r>
+                              <a:rPr lang="en-US" altLang="ja-JP" sz="2400" b="0" i="1" smtClean="0">
+                                <a:latin typeface="Cambria Math" panose="02040503050406030204" pitchFamily="18" charset="0"/>
+                              </a:rPr>
+                              <m:t>h</m:t>
+                            </m:r>
+                          </m:sup>
+                        </m:sSubSup>
+                        <m:sSub>
+                          <m:sSubPr>
+                            <m:ctrlPr>
+                              <a:rPr lang="en" altLang="ja-JP" sz="2400" i="1" smtClean="0">
+                                <a:latin typeface="Cambria Math" panose="02040503050406030204" pitchFamily="18" charset="0"/>
+                              </a:rPr>
+                            </m:ctrlPr>
+                          </m:sSubPr>
+                          <m:e>
+                            <m:r>
+                              <a:rPr lang="en-US" altLang="ja-JP" sz="2400" b="0" i="1" smtClean="0">
+                                <a:latin typeface="Cambria Math" panose="02040503050406030204" pitchFamily="18" charset="0"/>
+                              </a:rPr>
+                              <m:t>𝑣</m:t>
+                            </m:r>
+                          </m:e>
+                          <m:sub>
+                            <m:r>
+                              <a:rPr lang="en-US" altLang="ja-JP" sz="2400" b="0" i="1" smtClean="0">
+                                <a:latin typeface="Cambria Math" panose="02040503050406030204" pitchFamily="18" charset="0"/>
+                              </a:rPr>
+                              <m:t>𝑖𝑗</m:t>
+                            </m:r>
+                          </m:sub>
+                        </m:sSub>
+                      </m:e>
+                    </m:nary>
+                  </m:oMath>
+                </a14:m>
+                <a:r>
+                  <a:rPr lang="en" altLang="ja-JP" sz="2400" dirty="0"/>
+                  <a:t>  does not exceed the threshold.</a:t>
+                </a:r>
+              </a:p>
+              <a:p>
+                <a:endParaRPr kumimoji="1" lang="ja-JP" altLang="en-US" sz="2400"/>
+              </a:p>
+            </p:txBody>
+          </p:sp>
+        </mc:Choice>
+        <mc:Fallback xmlns="">
+          <p:sp>
+            <p:nvSpPr>
+              <p:cNvPr id="3" name="コンテンツ プレースホルダー 2">
+                <a:extLst>
+                  <a:ext uri="{FF2B5EF4-FFF2-40B4-BE49-F238E27FC236}">
+                    <a16:creationId xmlns:a16="http://schemas.microsoft.com/office/drawing/2014/main" id="{7A66D6AA-85AC-DC4D-AC2F-0EE32EC50F84}"/>
+                  </a:ext>
+                </a:extLst>
+              </p:cNvPr>
+              <p:cNvSpPr>
+                <a:spLocks noGrp="1" noRot="1" noChangeAspect="1" noMove="1" noResize="1" noEditPoints="1" noAdjustHandles="1" noChangeArrowheads="1" noChangeShapeType="1" noTextEdit="1"/>
+              </p:cNvSpPr>
+              <p:nvPr>
+                <p:ph idx="1"/>
+              </p:nvPr>
+            </p:nvSpPr>
+            <p:spPr>
+              <a:blipFill>
+                <a:blip r:embed="rId2"/>
+                <a:stretch>
+                  <a:fillRect l="-1567" t="-673" b="-17845"/>
+                </a:stretch>
+              </a:blipFill>
+            </p:spPr>
+            <p:txBody>
+              <a:bodyPr/>
+              <a:lstStyle/>
+              <a:p>
+                <a:r>
+                  <a:rPr lang="ja-JP" altLang="en-US">
+                    <a:noFill/>
+                  </a:rPr>
+                  <a:t> </a:t>
+                </a:r>
+              </a:p>
+            </p:txBody>
+          </p:sp>
+        </mc:Fallback>
+      </mc:AlternateContent>
     </p:spTree>
     <p:extLst>
       <p:ext uri="{BB962C8B-B14F-4D97-AF65-F5344CB8AC3E}">
-        <p14:creationId xmlns:p14="http://schemas.microsoft.com/office/powerpoint/2010/main" val="1289888316"/>
+        <p14:creationId xmlns:p14="http://schemas.microsoft.com/office/powerpoint/2010/main" val="69532513"/>
       </p:ext>
     </p:extLst>
   </p:cSld>
@@ -13780,7 +14414,7 @@
           <p:cNvPr id="2" name="タイトル 1">
             <a:extLst>
               <a:ext uri="{FF2B5EF4-FFF2-40B4-BE49-F238E27FC236}">
-                <a16:creationId xmlns:a16="http://schemas.microsoft.com/office/drawing/2014/main" id="{27F343C2-0C5B-4C4B-80AC-FA94488BB945}"/>
+                <a16:creationId xmlns:a16="http://schemas.microsoft.com/office/drawing/2014/main" id="{D3BE51AA-6929-3442-966A-7D9EB4731FE2}"/>
               </a:ext>
             </a:extLst>
           </p:cNvPr>
@@ -13797,113 +14431,326 @@
           <a:lstStyle/>
           <a:p>
             <a:r>
-              <a:rPr lang="en-US" altLang="ja-JP" dirty="0"/>
-              <a:t>Computational experiment</a:t>
-            </a:r>
+              <a:rPr lang="en" altLang="ja-JP" dirty="0"/>
+              <a:t>Vertical direction</a:t>
+            </a:r>
+            <a:br>
+              <a:rPr lang="en" altLang="ja-JP" dirty="0"/>
+            </a:br>
             <a:endParaRPr kumimoji="1" lang="ja-JP" altLang="en-US"/>
           </a:p>
         </p:txBody>
       </p:sp>
-      <p:sp>
-        <p:nvSpPr>
-          <p:cNvPr id="3" name="コンテンツ プレースホルダー 2">
-            <a:extLst>
-              <a:ext uri="{FF2B5EF4-FFF2-40B4-BE49-F238E27FC236}">
-                <a16:creationId xmlns:a16="http://schemas.microsoft.com/office/drawing/2014/main" id="{11F9DD95-8CF5-9348-886C-FD2EAE61BF0C}"/>
-              </a:ext>
-            </a:extLst>
-          </p:cNvPr>
-          <p:cNvSpPr>
-            <a:spLocks noGrp="1"/>
-          </p:cNvSpPr>
-          <p:nvPr>
-            <p:ph idx="1"/>
-          </p:nvPr>
-        </p:nvSpPr>
-        <p:spPr/>
-        <p:txBody>
-          <a:bodyPr>
-            <a:normAutofit/>
-          </a:bodyPr>
-          <a:lstStyle/>
-          <a:p>
-            <a:r>
-              <a:rPr kumimoji="1" lang="en-US" altLang="ja-JP" sz="2400" dirty="0"/>
-              <a:t>With this model, we confirmed that we can get a good assignment for small bookings.</a:t>
-            </a:r>
-          </a:p>
-          <a:p>
-            <a:r>
-              <a:rPr lang="en" altLang="ja-JP" sz="2400" dirty="0"/>
-              <a:t>The number of orders and the number of loading and unloading ports increases, the calculations may not be sufficiently advanced in a limited time.[1]</a:t>
-            </a:r>
-            <a:endParaRPr kumimoji="1" lang="ja-JP" altLang="en-US" sz="2400"/>
-          </a:p>
-        </p:txBody>
-      </p:sp>
-      <p:sp>
-        <p:nvSpPr>
-          <p:cNvPr id="4" name="正方形/長方形 3">
-            <a:extLst>
-              <a:ext uri="{FF2B5EF4-FFF2-40B4-BE49-F238E27FC236}">
-                <a16:creationId xmlns:a16="http://schemas.microsoft.com/office/drawing/2014/main" id="{9D9AB659-4052-624D-8F74-5899265AF76C}"/>
-              </a:ext>
-            </a:extLst>
-          </p:cNvPr>
-          <p:cNvSpPr/>
-          <p:nvPr/>
-        </p:nvSpPr>
-        <p:spPr>
-          <a:xfrm>
-            <a:off x="2147248" y="5588056"/>
-            <a:ext cx="9357364" cy="646331"/>
-          </a:xfrm>
-          <a:prstGeom prst="rect">
-            <a:avLst/>
-          </a:prstGeom>
-        </p:spPr>
-        <p:txBody>
-          <a:bodyPr wrap="square">
-            <a:spAutoFit/>
-          </a:bodyPr>
-          <a:lstStyle/>
-          <a:p>
-            <a:r>
-              <a:rPr lang="en-US" altLang="ja-JP" dirty="0"/>
-              <a:t>[1]</a:t>
-            </a:r>
-            <a:r>
-              <a:rPr lang="ja-JP" altLang="en-US"/>
-              <a:t>鵜川知哉</a:t>
-            </a:r>
-            <a:r>
-              <a:rPr lang="en-US" altLang="ja-JP" dirty="0"/>
-              <a:t>, </a:t>
-            </a:r>
-            <a:r>
-              <a:rPr lang="ja-JP" altLang="en-US"/>
-              <a:t>自動車運搬船における貨物積載プラン ニングの席割問題に対する数理モデリング</a:t>
-            </a:r>
-            <a:r>
-              <a:rPr lang="en-US" altLang="ja-JP" dirty="0"/>
-              <a:t>, </a:t>
-            </a:r>
-            <a:r>
-              <a:rPr lang="ja-JP" altLang="en-US"/>
-              <a:t>修士 論文，名古屋大学情報学研究科</a:t>
-            </a:r>
-            <a:r>
-              <a:rPr lang="en-US" altLang="ja-JP" dirty="0"/>
-              <a:t>, 2020 </a:t>
-            </a:r>
-            <a:endParaRPr lang="ja-JP" altLang="en-US"/>
-          </a:p>
-        </p:txBody>
-      </p:sp>
+      <mc:AlternateContent xmlns:mc="http://schemas.openxmlformats.org/markup-compatibility/2006" xmlns:a14="http://schemas.microsoft.com/office/drawing/2010/main">
+        <mc:Choice Requires="a14">
+          <p:sp>
+            <p:nvSpPr>
+              <p:cNvPr id="3" name="コンテンツ プレースホルダー 2">
+                <a:extLst>
+                  <a:ext uri="{FF2B5EF4-FFF2-40B4-BE49-F238E27FC236}">
+                    <a16:creationId xmlns:a16="http://schemas.microsoft.com/office/drawing/2014/main" id="{7A66D6AA-85AC-DC4D-AC2F-0EE32EC50F84}"/>
+                  </a:ext>
+                </a:extLst>
+              </p:cNvPr>
+              <p:cNvSpPr>
+                <a:spLocks noGrp="1"/>
+              </p:cNvSpPr>
+              <p:nvPr>
+                <p:ph idx="1"/>
+              </p:nvPr>
+            </p:nvSpPr>
+            <p:spPr/>
+            <p:txBody>
+              <a:bodyPr>
+                <a:normAutofit/>
+              </a:bodyPr>
+              <a:lstStyle/>
+              <a:p>
+                <a:r>
+                  <a:rPr lang="en" altLang="ja-JP" sz="2400" dirty="0"/>
+                  <a:t>For each hold 𝑖, we define a coefficient </a:t>
+                </a:r>
+                <a14:m>
+                  <m:oMath xmlns:m="http://schemas.openxmlformats.org/officeDocument/2006/math">
+                    <m:sSubSup>
+                      <m:sSubSupPr>
+                        <m:ctrlPr>
+                          <a:rPr lang="en" altLang="ja-JP" sz="2400" i="1" smtClean="0">
+                            <a:latin typeface="Cambria Math" panose="02040503050406030204" pitchFamily="18" charset="0"/>
+                          </a:rPr>
+                        </m:ctrlPr>
+                      </m:sSubSupPr>
+                      <m:e>
+                        <m:r>
+                          <a:rPr lang="en" altLang="ja-JP" sz="2400" i="1" smtClean="0">
+                            <a:latin typeface="Cambria Math" panose="02040503050406030204" pitchFamily="18" charset="0"/>
+                            <a:ea typeface="Cambria Math" panose="02040503050406030204" pitchFamily="18" charset="0"/>
+                          </a:rPr>
+                          <m:t>𝛿</m:t>
+                        </m:r>
+                      </m:e>
+                      <m:sub>
+                        <m:r>
+                          <a:rPr lang="en-US" altLang="ja-JP" sz="2400" b="0" i="1" smtClean="0">
+                            <a:latin typeface="Cambria Math" panose="02040503050406030204" pitchFamily="18" charset="0"/>
+                          </a:rPr>
+                          <m:t>𝑖</m:t>
+                        </m:r>
+                      </m:sub>
+                      <m:sup>
+                        <m:r>
+                          <a:rPr lang="en-US" altLang="ja-JP" sz="2400" b="0" i="1" smtClean="0">
+                            <a:latin typeface="Cambria Math" panose="02040503050406030204" pitchFamily="18" charset="0"/>
+                          </a:rPr>
+                          <m:t>𝑣</m:t>
+                        </m:r>
+                      </m:sup>
+                    </m:sSubSup>
+                  </m:oMath>
+                </a14:m>
+                <a:endParaRPr kumimoji="1" lang="en-US" altLang="ja-JP" sz="2400" dirty="0"/>
+              </a:p>
+              <a:p>
+                <a:pPr lvl="1"/>
+                <a:r>
+                  <a:rPr lang="en" altLang="ja-JP" sz="2200" dirty="0"/>
+                  <a:t>Positive coefficient for the hold above sea level </a:t>
+                </a:r>
+              </a:p>
+              <a:p>
+                <a:pPr lvl="1"/>
+                <a:r>
+                  <a:rPr lang="en" altLang="ja-JP" sz="2200" dirty="0"/>
+                  <a:t>Positive coefficient for the hold below sea level </a:t>
+                </a:r>
+              </a:p>
+              <a:p>
+                <a:r>
+                  <a:rPr lang="en" altLang="ja-JP" sz="2600" dirty="0"/>
+                  <a:t>The farther away from the sea surface, the greater the effect is. </a:t>
+                </a:r>
+              </a:p>
+              <a:p>
+                <a:r>
+                  <a:rPr lang="en" altLang="ja-JP" sz="2400" dirty="0"/>
+                  <a:t>Let </a:t>
+                </a:r>
+                <a14:m>
+                  <m:oMath xmlns:m="http://schemas.openxmlformats.org/officeDocument/2006/math">
+                    <m:sSub>
+                      <m:sSubPr>
+                        <m:ctrlPr>
+                          <a:rPr lang="en" altLang="ja-JP" sz="2400" i="1" smtClean="0">
+                            <a:latin typeface="Cambria Math" panose="02040503050406030204" pitchFamily="18" charset="0"/>
+                          </a:rPr>
+                        </m:ctrlPr>
+                      </m:sSubPr>
+                      <m:e>
+                        <m:r>
+                          <a:rPr lang="en-US" altLang="ja-JP" sz="2400" b="0" i="1" smtClean="0">
+                            <a:latin typeface="Cambria Math" panose="02040503050406030204" pitchFamily="18" charset="0"/>
+                          </a:rPr>
+                          <m:t>𝑔</m:t>
+                        </m:r>
+                      </m:e>
+                      <m:sub>
+                        <m:r>
+                          <a:rPr lang="en-US" altLang="ja-JP" sz="2400" b="0" i="1" smtClean="0">
+                            <a:latin typeface="Cambria Math" panose="02040503050406030204" pitchFamily="18" charset="0"/>
+                          </a:rPr>
+                          <m:t>𝑗</m:t>
+                        </m:r>
+                      </m:sub>
+                    </m:sSub>
+                  </m:oMath>
+                </a14:m>
+                <a:r>
+                  <a:rPr lang="en" altLang="ja-JP" sz="2400" dirty="0"/>
+                  <a:t> be the weight of a car in each order 𝑗, </a:t>
+                </a:r>
+                <a:br>
+                  <a:rPr lang="en" altLang="ja-JP" sz="2400" dirty="0"/>
+                </a:br>
+                <a14:m>
+                  <m:oMath xmlns:m="http://schemas.openxmlformats.org/officeDocument/2006/math">
+                    <m:nary>
+                      <m:naryPr>
+                        <m:chr m:val="∑"/>
+                        <m:supHide m:val="on"/>
+                        <m:ctrlPr>
+                          <a:rPr lang="en" altLang="ja-JP" sz="2400" i="1" smtClean="0">
+                            <a:latin typeface="Cambria Math" panose="02040503050406030204" pitchFamily="18" charset="0"/>
+                          </a:rPr>
+                        </m:ctrlPr>
+                      </m:naryPr>
+                      <m:sub>
+                        <m:r>
+                          <m:rPr>
+                            <m:brk m:alnAt="7"/>
+                          </m:rPr>
+                          <a:rPr lang="en-US" altLang="ja-JP" sz="2400" b="0" i="1" smtClean="0">
+                            <a:latin typeface="Cambria Math" panose="02040503050406030204" pitchFamily="18" charset="0"/>
+                          </a:rPr>
+                          <m:t>𝑖</m:t>
+                        </m:r>
+                        <m:r>
+                          <a:rPr lang="en-US" altLang="ja-JP" sz="2400" b="0" i="1" smtClean="0">
+                            <a:latin typeface="Cambria Math" panose="02040503050406030204" pitchFamily="18" charset="0"/>
+                          </a:rPr>
+                          <m:t>,</m:t>
+                        </m:r>
+                        <m:r>
+                          <a:rPr lang="en-US" altLang="ja-JP" sz="2400" b="0" i="1" smtClean="0">
+                            <a:latin typeface="Cambria Math" panose="02040503050406030204" pitchFamily="18" charset="0"/>
+                          </a:rPr>
+                          <m:t>𝑗</m:t>
+                        </m:r>
+                      </m:sub>
+                      <m:sup/>
+                      <m:e>
+                        <m:sSub>
+                          <m:sSubPr>
+                            <m:ctrlPr>
+                              <a:rPr lang="en" altLang="ja-JP" sz="2400" i="1" smtClean="0">
+                                <a:latin typeface="Cambria Math" panose="02040503050406030204" pitchFamily="18" charset="0"/>
+                              </a:rPr>
+                            </m:ctrlPr>
+                          </m:sSubPr>
+                          <m:e>
+                            <m:r>
+                              <a:rPr lang="en-US" altLang="ja-JP" sz="2400" b="0" i="1" smtClean="0">
+                                <a:latin typeface="Cambria Math" panose="02040503050406030204" pitchFamily="18" charset="0"/>
+                              </a:rPr>
+                              <m:t>𝑔</m:t>
+                            </m:r>
+                          </m:e>
+                          <m:sub>
+                            <m:r>
+                              <a:rPr lang="en-US" altLang="ja-JP" sz="2400" b="0" i="1" smtClean="0">
+                                <a:latin typeface="Cambria Math" panose="02040503050406030204" pitchFamily="18" charset="0"/>
+                              </a:rPr>
+                              <m:t>𝑗</m:t>
+                            </m:r>
+                          </m:sub>
+                        </m:sSub>
+                        <m:sSubSup>
+                          <m:sSubSupPr>
+                            <m:ctrlPr>
+                              <a:rPr lang="en" altLang="ja-JP" sz="2400" i="1" smtClean="0">
+                                <a:latin typeface="Cambria Math" panose="02040503050406030204" pitchFamily="18" charset="0"/>
+                              </a:rPr>
+                            </m:ctrlPr>
+                          </m:sSubSupPr>
+                          <m:e>
+                            <m:r>
+                              <a:rPr lang="en" altLang="ja-JP" sz="2400" i="1" smtClean="0">
+                                <a:latin typeface="Cambria Math" panose="02040503050406030204" pitchFamily="18" charset="0"/>
+                                <a:ea typeface="Cambria Math" panose="02040503050406030204" pitchFamily="18" charset="0"/>
+                              </a:rPr>
+                              <m:t>𝛿</m:t>
+                            </m:r>
+                          </m:e>
+                          <m:sub>
+                            <m:r>
+                              <a:rPr lang="en-US" altLang="ja-JP" sz="2400" b="0" i="1" smtClean="0">
+                                <a:latin typeface="Cambria Math" panose="02040503050406030204" pitchFamily="18" charset="0"/>
+                              </a:rPr>
+                              <m:t>𝑖</m:t>
+                            </m:r>
+                          </m:sub>
+                          <m:sup>
+                            <m:r>
+                              <a:rPr lang="en-US" altLang="ja-JP" sz="2400" b="0" i="1" smtClean="0">
+                                <a:latin typeface="Cambria Math" panose="02040503050406030204" pitchFamily="18" charset="0"/>
+                              </a:rPr>
+                              <m:t>𝑣</m:t>
+                            </m:r>
+                          </m:sup>
+                        </m:sSubSup>
+                        <m:sSub>
+                          <m:sSubPr>
+                            <m:ctrlPr>
+                              <a:rPr lang="en" altLang="ja-JP" sz="2400" i="1" smtClean="0">
+                                <a:latin typeface="Cambria Math" panose="02040503050406030204" pitchFamily="18" charset="0"/>
+                              </a:rPr>
+                            </m:ctrlPr>
+                          </m:sSubPr>
+                          <m:e>
+                            <m:r>
+                              <a:rPr lang="en-US" altLang="ja-JP" sz="2400" b="0" i="1" smtClean="0">
+                                <a:latin typeface="Cambria Math" panose="02040503050406030204" pitchFamily="18" charset="0"/>
+                              </a:rPr>
+                              <m:t>𝑣</m:t>
+                            </m:r>
+                          </m:e>
+                          <m:sub>
+                            <m:r>
+                              <a:rPr lang="en-US" altLang="ja-JP" sz="2400" b="0" i="1" smtClean="0">
+                                <a:latin typeface="Cambria Math" panose="02040503050406030204" pitchFamily="18" charset="0"/>
+                              </a:rPr>
+                              <m:t>𝑖𝑗</m:t>
+                            </m:r>
+                          </m:sub>
+                        </m:sSub>
+                      </m:e>
+                    </m:nary>
+                  </m:oMath>
+                </a14:m>
+                <a:r>
+                  <a:rPr lang="en" altLang="ja-JP" sz="2400" dirty="0"/>
+                  <a:t>  does not exceed the threshold.</a:t>
+                </a:r>
+              </a:p>
+              <a:p>
+                <a:endParaRPr kumimoji="1" lang="ja-JP" altLang="en-US" sz="2400"/>
+              </a:p>
+            </p:txBody>
+          </p:sp>
+        </mc:Choice>
+        <mc:Fallback xmlns="">
+          <p:sp>
+            <p:nvSpPr>
+              <p:cNvPr id="3" name="コンテンツ プレースホルダー 2">
+                <a:extLst>
+                  <a:ext uri="{FF2B5EF4-FFF2-40B4-BE49-F238E27FC236}">
+                    <a16:creationId xmlns:a16="http://schemas.microsoft.com/office/drawing/2014/main" id="{7A66D6AA-85AC-DC4D-AC2F-0EE32EC50F84}"/>
+                  </a:ext>
+                </a:extLst>
+              </p:cNvPr>
+              <p:cNvSpPr>
+                <a:spLocks noGrp="1" noRot="1" noChangeAspect="1" noMove="1" noResize="1" noEditPoints="1" noAdjustHandles="1" noChangeArrowheads="1" noChangeShapeType="1" noTextEdit="1"/>
+              </p:cNvSpPr>
+              <p:nvPr>
+                <p:ph idx="1"/>
+              </p:nvPr>
+            </p:nvSpPr>
+            <p:spPr>
+              <a:blipFill>
+                <a:blip r:embed="rId2"/>
+                <a:stretch>
+                  <a:fillRect l="-1567" t="-1347" b="-8754"/>
+                </a:stretch>
+              </a:blipFill>
+            </p:spPr>
+            <p:txBody>
+              <a:bodyPr/>
+              <a:lstStyle/>
+              <a:p>
+                <a:r>
+                  <a:rPr lang="ja-JP" altLang="en-US">
+                    <a:noFill/>
+                  </a:rPr>
+                  <a:t> </a:t>
+                </a:r>
+              </a:p>
+            </p:txBody>
+          </p:sp>
+        </mc:Fallback>
+      </mc:AlternateContent>
     </p:spTree>
     <p:extLst>
       <p:ext uri="{BB962C8B-B14F-4D97-AF65-F5344CB8AC3E}">
-        <p14:creationId xmlns:p14="http://schemas.microsoft.com/office/powerpoint/2010/main" val="2541979275"/>
+        <p14:creationId xmlns:p14="http://schemas.microsoft.com/office/powerpoint/2010/main" val="3973483634"/>
       </p:ext>
     </p:extLst>
   </p:cSld>
@@ -13935,6 +14782,494 @@
           <p:cNvPr id="2" name="タイトル 1">
             <a:extLst>
               <a:ext uri="{FF2B5EF4-FFF2-40B4-BE49-F238E27FC236}">
+                <a16:creationId xmlns:a16="http://schemas.microsoft.com/office/drawing/2014/main" id="{FA54F382-2600-5B4C-9F1F-495485F1FD09}"/>
+              </a:ext>
+            </a:extLst>
+          </p:cNvPr>
+          <p:cNvSpPr>
+            <a:spLocks noGrp="1"/>
+          </p:cNvSpPr>
+          <p:nvPr>
+            <p:ph type="title"/>
+          </p:nvPr>
+        </p:nvSpPr>
+        <p:spPr/>
+        <p:txBody>
+          <a:bodyPr/>
+          <a:lstStyle/>
+          <a:p>
+            <a:r>
+              <a:rPr lang="en" altLang="ja-JP" dirty="0"/>
+              <a:t>Rules for splitting orders</a:t>
+            </a:r>
+            <a:br>
+              <a:rPr lang="ja-JP" altLang="en-US"/>
+            </a:br>
+            <a:endParaRPr kumimoji="1" lang="ja-JP" altLang="en-US"/>
+          </a:p>
+        </p:txBody>
+      </p:sp>
+      <p:sp>
+        <p:nvSpPr>
+          <p:cNvPr id="8" name="コンテンツ プレースホルダー 7">
+            <a:extLst>
+              <a:ext uri="{FF2B5EF4-FFF2-40B4-BE49-F238E27FC236}">
+                <a16:creationId xmlns:a16="http://schemas.microsoft.com/office/drawing/2014/main" id="{662709D6-0267-E446-B06A-7879774DA0E5}"/>
+              </a:ext>
+            </a:extLst>
+          </p:cNvPr>
+          <p:cNvSpPr>
+            <a:spLocks noGrp="1"/>
+          </p:cNvSpPr>
+          <p:nvPr>
+            <p:ph idx="1"/>
+          </p:nvPr>
+        </p:nvSpPr>
+        <p:spPr>
+          <a:xfrm>
+            <a:off x="2251881" y="1690254"/>
+            <a:ext cx="9594376" cy="4014510"/>
+          </a:xfrm>
+        </p:spPr>
+        <p:txBody>
+          <a:bodyPr/>
+          <a:lstStyle/>
+          <a:p>
+            <a:r>
+              <a:rPr lang="en-US" altLang="ja-JP" sz="2400" dirty="0"/>
+              <a:t>For large orders, we split them up.</a:t>
+            </a:r>
+          </a:p>
+          <a:p>
+            <a:pPr lvl="1"/>
+            <a:r>
+              <a:rPr lang="en-US" altLang="ja-JP" sz="2400" dirty="0"/>
+              <a:t>if the number of cars is over 500,</a:t>
+            </a:r>
+            <a:r>
+              <a:rPr lang="ja-JP" altLang="en-US" sz="2400"/>
+              <a:t> </a:t>
+            </a:r>
+            <a:r>
+              <a:rPr lang="en-US" altLang="ja-JP" sz="2400" dirty="0"/>
+              <a:t>we split the order in two.</a:t>
+            </a:r>
+          </a:p>
+          <a:p>
+            <a:pPr lvl="1"/>
+            <a:r>
+              <a:rPr lang="en-US" altLang="ja-JP" sz="2400" dirty="0"/>
+              <a:t>if the number of cars is over 1000,</a:t>
+            </a:r>
+            <a:r>
+              <a:rPr lang="ja-JP" altLang="en-US" sz="2400"/>
+              <a:t> </a:t>
+            </a:r>
+            <a:r>
+              <a:rPr lang="en-US" altLang="ja-JP" sz="2400" dirty="0"/>
+              <a:t>we split the order in three.</a:t>
+            </a:r>
+          </a:p>
+          <a:p>
+            <a:pPr lvl="1"/>
+            <a:r>
+              <a:rPr lang="en-US" altLang="ja-JP" sz="2200" dirty="0"/>
+              <a:t>If not, we do not split them up.</a:t>
+            </a:r>
+          </a:p>
+          <a:p>
+            <a:endParaRPr lang="en-US" altLang="ja-JP" dirty="0"/>
+          </a:p>
+        </p:txBody>
+      </p:sp>
+    </p:spTree>
+    <p:extLst>
+      <p:ext uri="{BB962C8B-B14F-4D97-AF65-F5344CB8AC3E}">
+        <p14:creationId xmlns:p14="http://schemas.microsoft.com/office/powerpoint/2010/main" val="1264003736"/>
+      </p:ext>
+    </p:extLst>
+  </p:cSld>
+  <p:clrMapOvr>
+    <a:masterClrMapping/>
+  </p:clrMapOvr>
+</p:sld>
+</file>
+
+<file path=ppt/slides/slide25.xml><?xml version="1.0" encoding="utf-8"?>
+<p:sld xmlns:a="http://schemas.openxmlformats.org/drawingml/2006/main" xmlns:r="http://schemas.openxmlformats.org/officeDocument/2006/relationships" xmlns:p="http://schemas.openxmlformats.org/presentationml/2006/main">
+  <p:cSld>
+    <p:spTree>
+      <p:nvGrpSpPr>
+        <p:cNvPr id="1" name=""/>
+        <p:cNvGrpSpPr/>
+        <p:nvPr/>
+      </p:nvGrpSpPr>
+      <p:grpSpPr>
+        <a:xfrm>
+          <a:off x="0" y="0"/>
+          <a:ext cx="0" cy="0"/>
+          <a:chOff x="0" y="0"/>
+          <a:chExt cx="0" cy="0"/>
+        </a:xfrm>
+      </p:grpSpPr>
+      <p:sp>
+        <p:nvSpPr>
+          <p:cNvPr id="2" name="タイトル 1">
+            <a:extLst>
+              <a:ext uri="{FF2B5EF4-FFF2-40B4-BE49-F238E27FC236}">
+                <a16:creationId xmlns:a16="http://schemas.microsoft.com/office/drawing/2014/main" id="{BE6E8FDC-25F6-BF44-B323-A841C4772537}"/>
+              </a:ext>
+            </a:extLst>
+          </p:cNvPr>
+          <p:cNvSpPr>
+            <a:spLocks noGrp="1"/>
+          </p:cNvSpPr>
+          <p:nvPr>
+            <p:ph type="title"/>
+          </p:nvPr>
+        </p:nvSpPr>
+        <p:spPr/>
+        <p:txBody>
+          <a:bodyPr/>
+          <a:lstStyle/>
+          <a:p>
+            <a:r>
+              <a:rPr lang="en" altLang="ja-JP" dirty="0"/>
+              <a:t>The problem of rules for splitting orders</a:t>
+            </a:r>
+            <a:endParaRPr kumimoji="1" lang="ja-JP" altLang="en-US"/>
+          </a:p>
+        </p:txBody>
+      </p:sp>
+      <p:sp>
+        <p:nvSpPr>
+          <p:cNvPr id="3" name="コンテンツ プレースホルダー 2">
+            <a:extLst>
+              <a:ext uri="{FF2B5EF4-FFF2-40B4-BE49-F238E27FC236}">
+                <a16:creationId xmlns:a16="http://schemas.microsoft.com/office/drawing/2014/main" id="{2C86E960-BE4B-9A44-A589-488BB206AACD}"/>
+              </a:ext>
+            </a:extLst>
+          </p:cNvPr>
+          <p:cNvSpPr>
+            <a:spLocks noGrp="1"/>
+          </p:cNvSpPr>
+          <p:nvPr>
+            <p:ph idx="1"/>
+          </p:nvPr>
+        </p:nvSpPr>
+        <p:spPr/>
+        <p:txBody>
+          <a:bodyPr>
+            <a:normAutofit/>
+          </a:bodyPr>
+          <a:lstStyle/>
+          <a:p>
+            <a:r>
+              <a:rPr lang="en-US" altLang="ja-JP" sz="2400" dirty="0"/>
+              <a:t>By adding this constraint, there is a possibility of making it impossible to find a feasible solution.</a:t>
+            </a:r>
+          </a:p>
+          <a:p>
+            <a:r>
+              <a:rPr lang="en-US" altLang="ja-JP" sz="2400" dirty="0"/>
+              <a:t>if some numbers of cars for every holds are not nice round numbers, there may not be a feasible solution.</a:t>
+            </a:r>
+          </a:p>
+          <a:p>
+            <a:r>
+              <a:rPr lang="en-US" altLang="ja-JP" sz="2400" dirty="0"/>
+              <a:t>We need to think about this constraint again.</a:t>
+            </a:r>
+            <a:endParaRPr kumimoji="1" lang="ja-JP" altLang="en-US" sz="2400"/>
+          </a:p>
+        </p:txBody>
+      </p:sp>
+    </p:spTree>
+    <p:extLst>
+      <p:ext uri="{BB962C8B-B14F-4D97-AF65-F5344CB8AC3E}">
+        <p14:creationId xmlns:p14="http://schemas.microsoft.com/office/powerpoint/2010/main" val="1764842216"/>
+      </p:ext>
+    </p:extLst>
+  </p:cSld>
+  <p:clrMapOvr>
+    <a:masterClrMapping/>
+  </p:clrMapOvr>
+</p:sld>
+</file>
+
+<file path=ppt/slides/slide26.xml><?xml version="1.0" encoding="utf-8"?>
+<p:sld xmlns:a="http://schemas.openxmlformats.org/drawingml/2006/main" xmlns:r="http://schemas.openxmlformats.org/officeDocument/2006/relationships" xmlns:p="http://schemas.openxmlformats.org/presentationml/2006/main">
+  <p:cSld>
+    <p:spTree>
+      <p:nvGrpSpPr>
+        <p:cNvPr id="1" name=""/>
+        <p:cNvGrpSpPr/>
+        <p:nvPr/>
+      </p:nvGrpSpPr>
+      <p:grpSpPr>
+        <a:xfrm>
+          <a:off x="0" y="0"/>
+          <a:ext cx="0" cy="0"/>
+          <a:chOff x="0" y="0"/>
+          <a:chExt cx="0" cy="0"/>
+        </a:xfrm>
+      </p:grpSpPr>
+      <p:sp>
+        <p:nvSpPr>
+          <p:cNvPr id="2" name="タイトル 1">
+            <a:extLst>
+              <a:ext uri="{FF2B5EF4-FFF2-40B4-BE49-F238E27FC236}">
+                <a16:creationId xmlns:a16="http://schemas.microsoft.com/office/drawing/2014/main" id="{036A086B-233B-EB4B-92C9-0367503863B9}"/>
+              </a:ext>
+            </a:extLst>
+          </p:cNvPr>
+          <p:cNvSpPr>
+            <a:spLocks noGrp="1"/>
+          </p:cNvSpPr>
+          <p:nvPr>
+            <p:ph type="title"/>
+          </p:nvPr>
+        </p:nvSpPr>
+        <p:spPr/>
+        <p:txBody>
+          <a:bodyPr/>
+          <a:lstStyle/>
+          <a:p>
+            <a:r>
+              <a:rPr lang="en-US" altLang="ja-JP" dirty="0"/>
+              <a:t>Height of the hold</a:t>
+            </a:r>
+            <a:endParaRPr kumimoji="1" lang="ja-JP" altLang="en-US"/>
+          </a:p>
+        </p:txBody>
+      </p:sp>
+      <p:sp>
+        <p:nvSpPr>
+          <p:cNvPr id="3" name="コンテンツ プレースホルダー 2">
+            <a:extLst>
+              <a:ext uri="{FF2B5EF4-FFF2-40B4-BE49-F238E27FC236}">
+                <a16:creationId xmlns:a16="http://schemas.microsoft.com/office/drawing/2014/main" id="{16A684F3-B4E7-6345-BCB9-F0073D18D8E6}"/>
+              </a:ext>
+            </a:extLst>
+          </p:cNvPr>
+          <p:cNvSpPr>
+            <a:spLocks noGrp="1"/>
+          </p:cNvSpPr>
+          <p:nvPr>
+            <p:ph idx="1"/>
+          </p:nvPr>
+        </p:nvSpPr>
+        <p:spPr/>
+        <p:txBody>
+          <a:bodyPr>
+            <a:normAutofit/>
+          </a:bodyPr>
+          <a:lstStyle/>
+          <a:p>
+            <a:r>
+              <a:rPr kumimoji="1" lang="en-US" altLang="ja-JP" sz="2400" dirty="0"/>
+              <a:t>Each hold has height.</a:t>
+            </a:r>
+          </a:p>
+          <a:p>
+            <a:r>
+              <a:rPr lang="en-US" altLang="ja-JP" sz="2400" dirty="0"/>
+              <a:t>To place cars in holds, the height of the car needs to be lower than the height of the hold</a:t>
+            </a:r>
+            <a:endParaRPr kumimoji="1" lang="ja-JP" altLang="en-US" sz="2400"/>
+          </a:p>
+        </p:txBody>
+      </p:sp>
+    </p:spTree>
+    <p:extLst>
+      <p:ext uri="{BB962C8B-B14F-4D97-AF65-F5344CB8AC3E}">
+        <p14:creationId xmlns:p14="http://schemas.microsoft.com/office/powerpoint/2010/main" val="1289888316"/>
+      </p:ext>
+    </p:extLst>
+  </p:cSld>
+  <p:clrMapOvr>
+    <a:masterClrMapping/>
+  </p:clrMapOvr>
+</p:sld>
+</file>
+
+<file path=ppt/slides/slide27.xml><?xml version="1.0" encoding="utf-8"?>
+<p:sld xmlns:a="http://schemas.openxmlformats.org/drawingml/2006/main" xmlns:r="http://schemas.openxmlformats.org/officeDocument/2006/relationships" xmlns:p="http://schemas.openxmlformats.org/presentationml/2006/main">
+  <p:cSld>
+    <p:spTree>
+      <p:nvGrpSpPr>
+        <p:cNvPr id="1" name=""/>
+        <p:cNvGrpSpPr/>
+        <p:nvPr/>
+      </p:nvGrpSpPr>
+      <p:grpSpPr>
+        <a:xfrm>
+          <a:off x="0" y="0"/>
+          <a:ext cx="0" cy="0"/>
+          <a:chOff x="0" y="0"/>
+          <a:chExt cx="0" cy="0"/>
+        </a:xfrm>
+      </p:grpSpPr>
+      <p:sp>
+        <p:nvSpPr>
+          <p:cNvPr id="2" name="タイトル 1">
+            <a:extLst>
+              <a:ext uri="{FF2B5EF4-FFF2-40B4-BE49-F238E27FC236}">
+                <a16:creationId xmlns:a16="http://schemas.microsoft.com/office/drawing/2014/main" id="{27F343C2-0C5B-4C4B-80AC-FA94488BB945}"/>
+              </a:ext>
+            </a:extLst>
+          </p:cNvPr>
+          <p:cNvSpPr>
+            <a:spLocks noGrp="1"/>
+          </p:cNvSpPr>
+          <p:nvPr>
+            <p:ph type="title"/>
+          </p:nvPr>
+        </p:nvSpPr>
+        <p:spPr/>
+        <p:txBody>
+          <a:bodyPr/>
+          <a:lstStyle/>
+          <a:p>
+            <a:r>
+              <a:rPr lang="en-US" altLang="ja-JP" dirty="0"/>
+              <a:t>Computational experiment</a:t>
+            </a:r>
+            <a:endParaRPr kumimoji="1" lang="ja-JP" altLang="en-US"/>
+          </a:p>
+        </p:txBody>
+      </p:sp>
+      <p:sp>
+        <p:nvSpPr>
+          <p:cNvPr id="3" name="コンテンツ プレースホルダー 2">
+            <a:extLst>
+              <a:ext uri="{FF2B5EF4-FFF2-40B4-BE49-F238E27FC236}">
+                <a16:creationId xmlns:a16="http://schemas.microsoft.com/office/drawing/2014/main" id="{11F9DD95-8CF5-9348-886C-FD2EAE61BF0C}"/>
+              </a:ext>
+            </a:extLst>
+          </p:cNvPr>
+          <p:cNvSpPr>
+            <a:spLocks noGrp="1"/>
+          </p:cNvSpPr>
+          <p:nvPr>
+            <p:ph idx="1"/>
+          </p:nvPr>
+        </p:nvSpPr>
+        <p:spPr/>
+        <p:txBody>
+          <a:bodyPr>
+            <a:normAutofit/>
+          </a:bodyPr>
+          <a:lstStyle/>
+          <a:p>
+            <a:r>
+              <a:rPr kumimoji="1" lang="en-US" altLang="ja-JP" sz="2400" dirty="0"/>
+              <a:t>With this model, we confirmed that we can get a good assignment for small bookings.</a:t>
+            </a:r>
+          </a:p>
+          <a:p>
+            <a:r>
+              <a:rPr lang="en" altLang="ja-JP" sz="2400" dirty="0"/>
+              <a:t>The number of orders and the number of loading and unloading ports increases, the calculations may not be sufficiently advanced in a limited time.[1]</a:t>
+            </a:r>
+            <a:endParaRPr kumimoji="1" lang="ja-JP" altLang="en-US" sz="2400"/>
+          </a:p>
+        </p:txBody>
+      </p:sp>
+      <p:sp>
+        <p:nvSpPr>
+          <p:cNvPr id="4" name="正方形/長方形 3">
+            <a:extLst>
+              <a:ext uri="{FF2B5EF4-FFF2-40B4-BE49-F238E27FC236}">
+                <a16:creationId xmlns:a16="http://schemas.microsoft.com/office/drawing/2014/main" id="{9D9AB659-4052-624D-8F74-5899265AF76C}"/>
+              </a:ext>
+            </a:extLst>
+          </p:cNvPr>
+          <p:cNvSpPr/>
+          <p:nvPr/>
+        </p:nvSpPr>
+        <p:spPr>
+          <a:xfrm>
+            <a:off x="2147248" y="5588056"/>
+            <a:ext cx="9357364" cy="646331"/>
+          </a:xfrm>
+          <a:prstGeom prst="rect">
+            <a:avLst/>
+          </a:prstGeom>
+        </p:spPr>
+        <p:txBody>
+          <a:bodyPr wrap="square">
+            <a:spAutoFit/>
+          </a:bodyPr>
+          <a:lstStyle/>
+          <a:p>
+            <a:r>
+              <a:rPr lang="en-US" altLang="ja-JP" dirty="0"/>
+              <a:t>[1]</a:t>
+            </a:r>
+            <a:r>
+              <a:rPr lang="ja-JP" altLang="en-US"/>
+              <a:t>鵜川知哉</a:t>
+            </a:r>
+            <a:r>
+              <a:rPr lang="en-US" altLang="ja-JP" dirty="0"/>
+              <a:t>, </a:t>
+            </a:r>
+            <a:r>
+              <a:rPr lang="ja-JP" altLang="en-US"/>
+              <a:t>自動車運搬船における貨物積載プラン ニングの席割問題に対する数理モデリング</a:t>
+            </a:r>
+            <a:r>
+              <a:rPr lang="en-US" altLang="ja-JP" dirty="0"/>
+              <a:t>, </a:t>
+            </a:r>
+            <a:r>
+              <a:rPr lang="ja-JP" altLang="en-US"/>
+              <a:t>修士 論文，名古屋大学情報学研究科</a:t>
+            </a:r>
+            <a:r>
+              <a:rPr lang="en-US" altLang="ja-JP" dirty="0"/>
+              <a:t>, 2020 </a:t>
+            </a:r>
+            <a:endParaRPr lang="ja-JP" altLang="en-US"/>
+          </a:p>
+        </p:txBody>
+      </p:sp>
+    </p:spTree>
+    <p:extLst>
+      <p:ext uri="{BB962C8B-B14F-4D97-AF65-F5344CB8AC3E}">
+        <p14:creationId xmlns:p14="http://schemas.microsoft.com/office/powerpoint/2010/main" val="2541979275"/>
+      </p:ext>
+    </p:extLst>
+  </p:cSld>
+  <p:clrMapOvr>
+    <a:masterClrMapping/>
+  </p:clrMapOvr>
+</p:sld>
+</file>
+
+<file path=ppt/slides/slide28.xml><?xml version="1.0" encoding="utf-8"?>
+<p:sld xmlns:a="http://schemas.openxmlformats.org/drawingml/2006/main" xmlns:r="http://schemas.openxmlformats.org/officeDocument/2006/relationships" xmlns:p="http://schemas.openxmlformats.org/presentationml/2006/main">
+  <p:cSld>
+    <p:spTree>
+      <p:nvGrpSpPr>
+        <p:cNvPr id="1" name=""/>
+        <p:cNvGrpSpPr/>
+        <p:nvPr/>
+      </p:nvGrpSpPr>
+      <p:grpSpPr>
+        <a:xfrm>
+          <a:off x="0" y="0"/>
+          <a:ext cx="0" cy="0"/>
+          <a:chOff x="0" y="0"/>
+          <a:chExt cx="0" cy="0"/>
+        </a:xfrm>
+      </p:grpSpPr>
+      <p:sp>
+        <p:nvSpPr>
+          <p:cNvPr id="2" name="タイトル 1">
+            <a:extLst>
+              <a:ext uri="{FF2B5EF4-FFF2-40B4-BE49-F238E27FC236}">
                 <a16:creationId xmlns:a16="http://schemas.microsoft.com/office/drawing/2014/main" id="{6FB3DAFA-499F-CC43-9BCD-BE6F3184C60F}"/>
               </a:ext>
             </a:extLst>
@@ -14017,7 +15352,7 @@
 </p:sld>
 </file>
 
-<file path=ppt/slides/slide25.xml><?xml version="1.0" encoding="utf-8"?>
+<file path=ppt/slides/slide29.xml><?xml version="1.0" encoding="utf-8"?>
 <p:sld xmlns:a="http://schemas.openxmlformats.org/drawingml/2006/main" xmlns:r="http://schemas.openxmlformats.org/officeDocument/2006/relationships" xmlns:p="http://schemas.openxmlformats.org/presentationml/2006/main">
   <p:cSld>
     <p:spTree>
@@ -14193,14 +15528,14 @@
           <p:nvPr>
             <p:extLst>
               <p:ext uri="{D42A27DB-BD31-4B8C-83A1-F6EECF244321}">
-                <p14:modId xmlns:p14="http://schemas.microsoft.com/office/powerpoint/2010/main" val="661547464"/>
+                <p14:modId xmlns:p14="http://schemas.microsoft.com/office/powerpoint/2010/main" val="1768686516"/>
               </p:ext>
             </p:extLst>
           </p:nvPr>
         </p:nvGraphicFramePr>
         <p:xfrm>
-          <a:off x="1174159" y="2336485"/>
-          <a:ext cx="4758543" cy="3474719"/>
+          <a:off x="1037231" y="2336485"/>
+          <a:ext cx="4895472" cy="3474719"/>
         </p:xfrm>
         <a:graphic>
           <a:graphicData uri="http://schemas.openxmlformats.org/drawingml/2006/table">
@@ -14209,21 +15544,21 @@
                 <a:tableStyleId>{5C22544A-7EE6-4342-B048-85BDC9FD1C3A}</a:tableStyleId>
               </a:tblPr>
               <a:tblGrid>
-                <a:gridCol w="1611057">
+                <a:gridCol w="1657416">
                   <a:extLst>
                     <a:ext uri="{9D8B030D-6E8A-4147-A177-3AD203B41FA5}">
                       <a16:colId xmlns:a16="http://schemas.microsoft.com/office/drawing/2014/main" val="2773331440"/>
                     </a:ext>
                   </a:extLst>
                 </a:gridCol>
-                <a:gridCol w="1561305">
+                <a:gridCol w="1606232">
                   <a:extLst>
                     <a:ext uri="{9D8B030D-6E8A-4147-A177-3AD203B41FA5}">
                       <a16:colId xmlns:a16="http://schemas.microsoft.com/office/drawing/2014/main" val="104301744"/>
                     </a:ext>
                   </a:extLst>
                 </a:gridCol>
-                <a:gridCol w="1586181">
+                <a:gridCol w="1631824">
                   <a:extLst>
                     <a:ext uri="{9D8B030D-6E8A-4147-A177-3AD203B41FA5}">
                       <a16:colId xmlns:a16="http://schemas.microsoft.com/office/drawing/2014/main" val="3225761282"/>
@@ -14240,7 +15575,7 @@
                       <a:pPr algn="ctr"/>
                       <a:r>
                         <a:rPr kumimoji="1" lang="en-US" altLang="ja-JP" dirty="0"/>
-                        <a:t>Calculation</a:t>
+                        <a:t>Computation</a:t>
                       </a:r>
                     </a:p>
                     <a:p>
@@ -14577,7 +15912,7 @@
           <p:nvPr>
             <p:extLst>
               <p:ext uri="{D42A27DB-BD31-4B8C-83A1-F6EECF244321}">
-                <p14:modId xmlns:p14="http://schemas.microsoft.com/office/powerpoint/2010/main" val="3954627737"/>
+                <p14:modId xmlns:p14="http://schemas.microsoft.com/office/powerpoint/2010/main" val="1269260773"/>
               </p:ext>
             </p:extLst>
           </p:nvPr>
@@ -14624,7 +15959,7 @@
                       <a:pPr algn="ctr"/>
                       <a:r>
                         <a:rPr kumimoji="1" lang="en-US" altLang="ja-JP" dirty="0"/>
-                        <a:t>Calculation</a:t>
+                        <a:t>Computation</a:t>
                       </a:r>
                     </a:p>
                     <a:p>
@@ -15011,7 +16346,7 @@
 </p:sld>
 </file>
 
-<file path=ppt/slides/slide26.xml><?xml version="1.0" encoding="utf-8"?>
+<file path=ppt/slides/slide3.xml><?xml version="1.0" encoding="utf-8"?>
 <p:sld xmlns:a="http://schemas.openxmlformats.org/drawingml/2006/main" xmlns:r="http://schemas.openxmlformats.org/officeDocument/2006/relationships" xmlns:p="http://schemas.openxmlformats.org/presentationml/2006/main">
   <p:cSld>
     <p:spTree>
@@ -15033,6 +16368,116 @@
           <p:cNvPr id="2" name="タイトル 1">
             <a:extLst>
               <a:ext uri="{FF2B5EF4-FFF2-40B4-BE49-F238E27FC236}">
+                <a16:creationId xmlns:a16="http://schemas.microsoft.com/office/drawing/2014/main" id="{FB112B76-A30D-9B43-9C86-E5ED0130BC75}"/>
+              </a:ext>
+            </a:extLst>
+          </p:cNvPr>
+          <p:cNvSpPr>
+            <a:spLocks noGrp="1"/>
+          </p:cNvSpPr>
+          <p:nvPr>
+            <p:ph type="title"/>
+          </p:nvPr>
+        </p:nvSpPr>
+        <p:spPr/>
+        <p:txBody>
+          <a:bodyPr/>
+          <a:lstStyle/>
+          <a:p>
+            <a:r>
+              <a:rPr kumimoji="1" lang="en-US" altLang="ja-JP" dirty="0"/>
+              <a:t>Background</a:t>
+            </a:r>
+            <a:endParaRPr kumimoji="1" lang="ja-JP" altLang="en-US"/>
+          </a:p>
+        </p:txBody>
+      </p:sp>
+      <p:sp>
+        <p:nvSpPr>
+          <p:cNvPr id="3" name="コンテンツ プレースホルダー 2">
+            <a:extLst>
+              <a:ext uri="{FF2B5EF4-FFF2-40B4-BE49-F238E27FC236}">
+                <a16:creationId xmlns:a16="http://schemas.microsoft.com/office/drawing/2014/main" id="{0B78C004-7132-2548-9598-2963228325EF}"/>
+              </a:ext>
+            </a:extLst>
+          </p:cNvPr>
+          <p:cNvSpPr>
+            <a:spLocks noGrp="1"/>
+          </p:cNvSpPr>
+          <p:nvPr>
+            <p:ph idx="1"/>
+          </p:nvPr>
+        </p:nvSpPr>
+        <p:spPr/>
+        <p:txBody>
+          <a:bodyPr>
+            <a:normAutofit/>
+          </a:bodyPr>
+          <a:lstStyle/>
+          <a:p>
+            <a:r>
+              <a:rPr lang="en" altLang="ja-JP" sz="2400" dirty="0"/>
+              <a:t>A carrier ship carries various loads through some ports. </a:t>
+            </a:r>
+          </a:p>
+          <a:p>
+            <a:r>
+              <a:rPr lang="en" altLang="ja-JP" sz="2400" dirty="0"/>
+              <a:t>We consider the ship that carries various type of cars.  (e.g. passenger car, truck, bulldozer...) </a:t>
+            </a:r>
+          </a:p>
+          <a:p>
+            <a:r>
+              <a:rPr lang="en" altLang="ja-JP" sz="2400" dirty="0"/>
+              <a:t>Assignment of cars to ship is planned manually.</a:t>
+            </a:r>
+          </a:p>
+          <a:p>
+            <a:r>
+              <a:rPr lang="en" altLang="ja-JP" sz="2400" dirty="0"/>
+              <a:t>We aim to make assignment automatically</a:t>
+            </a:r>
+          </a:p>
+          <a:p>
+            <a:endParaRPr kumimoji="1" lang="ja-JP" altLang="en-US" sz="2400"/>
+          </a:p>
+        </p:txBody>
+      </p:sp>
+    </p:spTree>
+    <p:extLst>
+      <p:ext uri="{BB962C8B-B14F-4D97-AF65-F5344CB8AC3E}">
+        <p14:creationId xmlns:p14="http://schemas.microsoft.com/office/powerpoint/2010/main" val="2451242659"/>
+      </p:ext>
+    </p:extLst>
+  </p:cSld>
+  <p:clrMapOvr>
+    <a:masterClrMapping/>
+  </p:clrMapOvr>
+</p:sld>
+</file>
+
+<file path=ppt/slides/slide30.xml><?xml version="1.0" encoding="utf-8"?>
+<p:sld xmlns:a="http://schemas.openxmlformats.org/drawingml/2006/main" xmlns:r="http://schemas.openxmlformats.org/officeDocument/2006/relationships" xmlns:p="http://schemas.openxmlformats.org/presentationml/2006/main">
+  <p:cSld>
+    <p:spTree>
+      <p:nvGrpSpPr>
+        <p:cNvPr id="1" name=""/>
+        <p:cNvGrpSpPr/>
+        <p:nvPr/>
+      </p:nvGrpSpPr>
+      <p:grpSpPr>
+        <a:xfrm>
+          <a:off x="0" y="0"/>
+          <a:ext cx="0" cy="0"/>
+          <a:chOff x="0" y="0"/>
+          <a:chExt cx="0" cy="0"/>
+        </a:xfrm>
+      </p:grpSpPr>
+      <p:sp>
+        <p:nvSpPr>
+          <p:cNvPr id="2" name="タイトル 1">
+            <a:extLst>
+              <a:ext uri="{FF2B5EF4-FFF2-40B4-BE49-F238E27FC236}">
                 <a16:creationId xmlns:a16="http://schemas.microsoft.com/office/drawing/2014/main" id="{AC4CD6FA-10C4-F844-83BC-DECF70D05472}"/>
               </a:ext>
             </a:extLst>
@@ -15107,7 +16552,7 @@
 </p:sld>
 </file>
 
-<file path=ppt/slides/slide27.xml><?xml version="1.0" encoding="utf-8"?>
+<file path=ppt/slides/slide31.xml><?xml version="1.0" encoding="utf-8"?>
 <p:sld xmlns:a="http://schemas.openxmlformats.org/drawingml/2006/main" xmlns:r="http://schemas.openxmlformats.org/officeDocument/2006/relationships" xmlns:p="http://schemas.openxmlformats.org/presentationml/2006/main">
   <p:cSld>
     <p:spTree>
@@ -16390,7 +17835,7 @@
 </p:sld>
 </file>
 
-<file path=ppt/slides/slide28.xml><?xml version="1.0" encoding="utf-8"?>
+<file path=ppt/slides/slide32.xml><?xml version="1.0" encoding="utf-8"?>
 <p:sld xmlns:a="http://schemas.openxmlformats.org/drawingml/2006/main" xmlns:r="http://schemas.openxmlformats.org/officeDocument/2006/relationships" xmlns:p="http://schemas.openxmlformats.org/presentationml/2006/main">
   <p:cSld>
     <p:spTree>
@@ -16412,7 +17857,7 @@
           <p:cNvPr id="2" name="タイトル 1">
             <a:extLst>
               <a:ext uri="{FF2B5EF4-FFF2-40B4-BE49-F238E27FC236}">
-                <a16:creationId xmlns:a16="http://schemas.microsoft.com/office/drawing/2014/main" id="{7A74A867-EBEB-2F4D-8265-67DD34FA45C3}"/>
+                <a16:creationId xmlns:a16="http://schemas.microsoft.com/office/drawing/2014/main" id="{52E1B2F4-9DB8-CF40-9426-D79299547C32}"/>
               </a:ext>
             </a:extLst>
           </p:cNvPr>
@@ -16430,7 +17875,7 @@
           <a:p>
             <a:r>
               <a:rPr kumimoji="1" lang="en-US" altLang="ja-JP" dirty="0"/>
-              <a:t>Summary &amp;future work</a:t>
+              <a:t>The interview with planners</a:t>
             </a:r>
             <a:endParaRPr kumimoji="1" lang="ja-JP" altLang="en-US"/>
           </a:p>
@@ -16441,7 +17886,7 @@
           <p:cNvPr id="3" name="コンテンツ プレースホルダー 2">
             <a:extLst>
               <a:ext uri="{FF2B5EF4-FFF2-40B4-BE49-F238E27FC236}">
-                <a16:creationId xmlns:a16="http://schemas.microsoft.com/office/drawing/2014/main" id="{248D57BC-E16B-2345-B115-CA7B5ECA4B39}"/>
+                <a16:creationId xmlns:a16="http://schemas.microsoft.com/office/drawing/2014/main" id="{A6BD197A-6303-824D-9AAA-CC66BEB59C4D}"/>
               </a:ext>
             </a:extLst>
           </p:cNvPr>
@@ -16452,12 +17897,7 @@
             <p:ph idx="1"/>
           </p:nvPr>
         </p:nvSpPr>
-        <p:spPr>
-          <a:xfrm>
-            <a:off x="2261665" y="1768521"/>
-            <a:ext cx="9434465" cy="4673221"/>
-          </a:xfrm>
-        </p:spPr>
+        <p:spPr/>
         <p:txBody>
           <a:bodyPr>
             <a:normAutofit/>
@@ -16465,58 +17905,34 @@
           <a:lstStyle/>
           <a:p>
             <a:r>
+              <a:rPr lang="en-US" altLang="ja-JP" sz="2400" dirty="0"/>
+              <a:t>I interviewed the planners at the end of April.</a:t>
+            </a:r>
+          </a:p>
+          <a:p>
+            <a:r>
               <a:rPr lang="en" altLang="ja-JP" sz="2400" dirty="0"/>
-              <a:t>Summary </a:t>
-            </a:r>
-          </a:p>
-          <a:p>
-            <a:pPr lvl="1"/>
-            <a:r>
-              <a:rPr lang="en" altLang="ja-JP" sz="2200" dirty="0"/>
-              <a:t>It takes about three times as long when height constraints are taken into account.</a:t>
-            </a:r>
-          </a:p>
-          <a:p>
-            <a:pPr lvl="1"/>
-            <a:r>
-              <a:rPr lang="en" altLang="ja-JP" sz="2200" dirty="0"/>
-              <a:t>We can get good solutions for bookings which has less than 250 orders and has less than 2~5 ports. </a:t>
+              <a:t>I asked how they evaluate the quality of assignments for large bookings.</a:t>
             </a:r>
           </a:p>
           <a:p>
             <a:r>
               <a:rPr lang="en" altLang="ja-JP" sz="2400" dirty="0"/>
-              <a:t>Future work</a:t>
-            </a:r>
-          </a:p>
-          <a:p>
-            <a:pPr lvl="1"/>
+              <a:t>I found that the planners don’t evaluate the assignment at the end because they create the assignment while considering the constraints.</a:t>
+            </a:r>
+          </a:p>
+          <a:p>
             <a:r>
               <a:rPr lang="en" altLang="ja-JP" sz="2400" dirty="0"/>
-              <a:t>creating an index to evaluate the quality of the assignment</a:t>
-            </a:r>
-          </a:p>
-          <a:p>
-            <a:pPr lvl="1"/>
-            <a:r>
-              <a:rPr kumimoji="1" lang="en" altLang="ja-JP" sz="2200" dirty="0"/>
-              <a:t>Modifying the mathematical model</a:t>
-            </a:r>
-          </a:p>
-          <a:p>
-            <a:pPr lvl="1"/>
-            <a:r>
-              <a:rPr kumimoji="1" lang="en" altLang="ja-JP" sz="2200" dirty="0"/>
-              <a:t>Creating heuristic to be able to solve large bookings</a:t>
-            </a:r>
-            <a:endParaRPr kumimoji="1" lang="ja-JP" altLang="en-US" sz="2200"/>
+              <a:t>At the end of May, I will interview about the objective function for planners to evaluate our assignments.</a:t>
+            </a:r>
           </a:p>
         </p:txBody>
       </p:sp>
     </p:spTree>
     <p:extLst>
       <p:ext uri="{BB962C8B-B14F-4D97-AF65-F5344CB8AC3E}">
-        <p14:creationId xmlns:p14="http://schemas.microsoft.com/office/powerpoint/2010/main" val="547483656"/>
+        <p14:creationId xmlns:p14="http://schemas.microsoft.com/office/powerpoint/2010/main" val="1635880000"/>
       </p:ext>
     </p:extLst>
   </p:cSld>
@@ -16526,7 +17942,7 @@
 </p:sld>
 </file>
 
-<file path=ppt/slides/slide3.xml><?xml version="1.0" encoding="utf-8"?>
+<file path=ppt/slides/slide33.xml><?xml version="1.0" encoding="utf-8"?>
 <p:sld xmlns:a="http://schemas.openxmlformats.org/drawingml/2006/main" xmlns:r="http://schemas.openxmlformats.org/officeDocument/2006/relationships" xmlns:p="http://schemas.openxmlformats.org/presentationml/2006/main">
   <p:cSld>
     <p:spTree>
@@ -16548,7 +17964,7 @@
           <p:cNvPr id="2" name="タイトル 1">
             <a:extLst>
               <a:ext uri="{FF2B5EF4-FFF2-40B4-BE49-F238E27FC236}">
-                <a16:creationId xmlns:a16="http://schemas.microsoft.com/office/drawing/2014/main" id="{FB112B76-A30D-9B43-9C86-E5ED0130BC75}"/>
+                <a16:creationId xmlns:a16="http://schemas.microsoft.com/office/drawing/2014/main" id="{7A74A867-EBEB-2F4D-8265-67DD34FA45C3}"/>
               </a:ext>
             </a:extLst>
           </p:cNvPr>
@@ -16566,7 +17982,7 @@
           <a:p>
             <a:r>
               <a:rPr kumimoji="1" lang="en-US" altLang="ja-JP" dirty="0"/>
-              <a:t>Background</a:t>
+              <a:t>Summary &amp;future work</a:t>
             </a:r>
             <a:endParaRPr kumimoji="1" lang="ja-JP" altLang="en-US"/>
           </a:p>
@@ -16577,7 +17993,7 @@
           <p:cNvPr id="3" name="コンテンツ プレースホルダー 2">
             <a:extLst>
               <a:ext uri="{FF2B5EF4-FFF2-40B4-BE49-F238E27FC236}">
-                <a16:creationId xmlns:a16="http://schemas.microsoft.com/office/drawing/2014/main" id="{0B78C004-7132-2548-9598-2963228325EF}"/>
+                <a16:creationId xmlns:a16="http://schemas.microsoft.com/office/drawing/2014/main" id="{248D57BC-E16B-2345-B115-CA7B5ECA4B39}"/>
               </a:ext>
             </a:extLst>
           </p:cNvPr>
@@ -16588,7 +18004,12 @@
             <p:ph idx="1"/>
           </p:nvPr>
         </p:nvSpPr>
-        <p:spPr/>
+        <p:spPr>
+          <a:xfrm>
+            <a:off x="2261665" y="1768521"/>
+            <a:ext cx="9434465" cy="4673221"/>
+          </a:xfrm>
+        </p:spPr>
         <p:txBody>
           <a:bodyPr>
             <a:normAutofit/>
@@ -16597,36 +18018,61 @@
           <a:p>
             <a:r>
               <a:rPr lang="en" altLang="ja-JP" sz="2400" dirty="0"/>
-              <a:t>A carrier ship carries various loads through some ports. </a:t>
+              <a:t>Summary </a:t>
+            </a:r>
+          </a:p>
+          <a:p>
+            <a:pPr lvl="1"/>
+            <a:r>
+              <a:rPr lang="en" altLang="ja-JP" sz="2200" dirty="0"/>
+              <a:t>It takes about three times as long when height constraints are taken into account.</a:t>
+            </a:r>
+          </a:p>
+          <a:p>
+            <a:pPr lvl="1"/>
+            <a:r>
+              <a:rPr lang="en" altLang="ja-JP" sz="2200" dirty="0"/>
+              <a:t>We can get good solutions for bookings which has less than 250 orders and has less than 2~5 ports. </a:t>
             </a:r>
           </a:p>
           <a:p>
             <a:r>
               <a:rPr lang="en" altLang="ja-JP" sz="2400" dirty="0"/>
-              <a:t>We consider the ship that carries various type of cars.  (e.g. passenger car, truck, bulldozer...) </a:t>
-            </a:r>
-          </a:p>
-          <a:p>
+              <a:t>Future work</a:t>
+            </a:r>
+          </a:p>
+          <a:p>
+            <a:pPr lvl="1"/>
             <a:r>
               <a:rPr lang="en" altLang="ja-JP" sz="2400" dirty="0"/>
-              <a:t>Assignment of cars to ship is planned manually.</a:t>
-            </a:r>
-          </a:p>
-          <a:p>
-            <a:r>
-              <a:rPr lang="en" altLang="ja-JP" sz="2400" dirty="0"/>
-              <a:t>We aim to make assignment automatically</a:t>
-            </a:r>
-          </a:p>
-          <a:p>
-            <a:endParaRPr kumimoji="1" lang="ja-JP" altLang="en-US" sz="2400"/>
+              <a:t>creating an objective function to evaluate the quality of the assignment </a:t>
+            </a:r>
+            <a:r>
+              <a:rPr lang="en" altLang="ja-JP" sz="2400" b="1" dirty="0"/>
+              <a:t>for planners. </a:t>
+            </a:r>
+          </a:p>
+          <a:p>
+            <a:pPr lvl="1"/>
+            <a:r>
+              <a:rPr kumimoji="1" lang="en" altLang="ja-JP" sz="2200" dirty="0"/>
+              <a:t>Modifying the mathematical model</a:t>
+            </a:r>
+          </a:p>
+          <a:p>
+            <a:pPr lvl="1"/>
+            <a:r>
+              <a:rPr kumimoji="1" lang="en" altLang="ja-JP" sz="2200" dirty="0"/>
+              <a:t>Creating heuristic to be able to solve large bookings</a:t>
+            </a:r>
+            <a:endParaRPr kumimoji="1" lang="ja-JP" altLang="en-US" sz="2200"/>
           </a:p>
         </p:txBody>
       </p:sp>
     </p:spTree>
     <p:extLst>
       <p:ext uri="{BB962C8B-B14F-4D97-AF65-F5344CB8AC3E}">
-        <p14:creationId xmlns:p14="http://schemas.microsoft.com/office/powerpoint/2010/main" val="2451242659"/>
+        <p14:creationId xmlns:p14="http://schemas.microsoft.com/office/powerpoint/2010/main" val="547483656"/>
       </p:ext>
     </p:extLst>
   </p:cSld>
@@ -17224,8 +18670,12 @@
           <a:lstStyle/>
           <a:p>
             <a:r>
+              <a:rPr lang="en-US" altLang="ja-JP" dirty="0"/>
+              <a:t>Given</a:t>
+            </a:r>
+            <a:r>
               <a:rPr kumimoji="1" lang="en-US" altLang="ja-JP" dirty="0"/>
-              <a:t>Problem definition</a:t>
+              <a:t> definition</a:t>
             </a:r>
             <a:br>
               <a:rPr kumimoji="1" lang="en-US" altLang="ja-JP" dirty="0"/>
@@ -17263,37 +18713,10 @@
           <a:lstStyle/>
           <a:p>
             <a:r>
-              <a:rPr kumimoji="1" lang="en-US" altLang="ja-JP" sz="2400" dirty="0"/>
-              <a:t>Given information are as follows.</a:t>
-            </a:r>
-          </a:p>
-          <a:p>
-            <a:pPr lvl="1"/>
-            <a:r>
               <a:rPr lang="en-US" altLang="ja-JP" sz="2400" dirty="0"/>
-              <a:t>Order Information</a:t>
-            </a:r>
-          </a:p>
-          <a:p>
-            <a:pPr lvl="1"/>
-            <a:r>
-              <a:rPr lang="en-US" altLang="ja-JP" sz="2400" dirty="0"/>
-              <a:t>Hull(ship) information</a:t>
-            </a:r>
-          </a:p>
-          <a:p>
-            <a:pPr marL="457200" lvl="1" indent="0">
-              <a:buNone/>
-            </a:pPr>
-            <a:r>
-              <a:rPr lang="en-US" altLang="ja-JP" sz="2400" dirty="0"/>
-              <a:t>                         </a:t>
-            </a:r>
-            <a:r>
-              <a:rPr lang="en-US" altLang="ja-JP" sz="1800" dirty="0"/>
-              <a:t>      order information</a:t>
-            </a:r>
-            <a:endParaRPr kumimoji="1" lang="en-US" altLang="ja-JP" sz="1800" dirty="0"/>
+              <a:t>Order information</a:t>
+            </a:r>
+            <a:endParaRPr kumimoji="1" lang="en-US" altLang="ja-JP" sz="2400" dirty="0"/>
           </a:p>
         </p:txBody>
       </p:sp>
@@ -17319,7 +18742,7 @@
         </p:blipFill>
         <p:spPr>
           <a:xfrm>
-            <a:off x="3189712" y="3682052"/>
+            <a:off x="2971348" y="2678808"/>
             <a:ext cx="6111082" cy="2688876"/>
           </a:xfrm>
           <a:prstGeom prst="rect">
@@ -17341,6 +18764,139 @@
 </file>
 
 <file path=ppt/slides/slide7.xml><?xml version="1.0" encoding="utf-8"?>
+<p:sld xmlns:a="http://schemas.openxmlformats.org/drawingml/2006/main" xmlns:r="http://schemas.openxmlformats.org/officeDocument/2006/relationships" xmlns:p="http://schemas.openxmlformats.org/presentationml/2006/main">
+  <p:cSld>
+    <p:spTree>
+      <p:nvGrpSpPr>
+        <p:cNvPr id="1" name=""/>
+        <p:cNvGrpSpPr/>
+        <p:nvPr/>
+      </p:nvGrpSpPr>
+      <p:grpSpPr>
+        <a:xfrm>
+          <a:off x="0" y="0"/>
+          <a:ext cx="0" cy="0"/>
+          <a:chOff x="0" y="0"/>
+          <a:chExt cx="0" cy="0"/>
+        </a:xfrm>
+      </p:grpSpPr>
+      <p:sp>
+        <p:nvSpPr>
+          <p:cNvPr id="2" name="タイトル 1">
+            <a:extLst>
+              <a:ext uri="{FF2B5EF4-FFF2-40B4-BE49-F238E27FC236}">
+                <a16:creationId xmlns:a16="http://schemas.microsoft.com/office/drawing/2014/main" id="{92047B87-2603-A144-964A-4BE3C1BE3111}"/>
+              </a:ext>
+            </a:extLst>
+          </p:cNvPr>
+          <p:cNvSpPr>
+            <a:spLocks noGrp="1"/>
+          </p:cNvSpPr>
+          <p:nvPr>
+            <p:ph type="title"/>
+          </p:nvPr>
+        </p:nvSpPr>
+        <p:spPr/>
+        <p:txBody>
+          <a:bodyPr/>
+          <a:lstStyle/>
+          <a:p>
+            <a:r>
+              <a:rPr kumimoji="1" lang="en-US" altLang="ja-JP" dirty="0"/>
+              <a:t>Given information</a:t>
+            </a:r>
+            <a:endParaRPr kumimoji="1" lang="ja-JP" altLang="en-US"/>
+          </a:p>
+        </p:txBody>
+      </p:sp>
+      <p:sp>
+        <p:nvSpPr>
+          <p:cNvPr id="3" name="コンテンツ プレースホルダー 2">
+            <a:extLst>
+              <a:ext uri="{FF2B5EF4-FFF2-40B4-BE49-F238E27FC236}">
+                <a16:creationId xmlns:a16="http://schemas.microsoft.com/office/drawing/2014/main" id="{49A4257B-C21A-9E4A-AAAF-C87FAC0753DF}"/>
+              </a:ext>
+            </a:extLst>
+          </p:cNvPr>
+          <p:cNvSpPr>
+            <a:spLocks noGrp="1"/>
+          </p:cNvSpPr>
+          <p:nvPr>
+            <p:ph idx="1"/>
+          </p:nvPr>
+        </p:nvSpPr>
+        <p:spPr/>
+        <p:txBody>
+          <a:bodyPr>
+            <a:normAutofit/>
+          </a:bodyPr>
+          <a:lstStyle/>
+          <a:p>
+            <a:r>
+              <a:rPr kumimoji="1" lang="en-US" altLang="ja-JP" sz="2400" dirty="0"/>
+              <a:t>Ship information</a:t>
+            </a:r>
+          </a:p>
+          <a:p>
+            <a:pPr lvl="1"/>
+            <a:r>
+              <a:rPr lang="en" altLang="ja-JP" sz="2400" dirty="0"/>
+              <a:t>How many holds exist.</a:t>
+            </a:r>
+          </a:p>
+          <a:p>
+            <a:pPr lvl="1"/>
+            <a:r>
+              <a:rPr lang="en" altLang="ja-JP" sz="2400" dirty="0"/>
+              <a:t>How large each hold is. </a:t>
+            </a:r>
+          </a:p>
+          <a:p>
+            <a:pPr lvl="1"/>
+            <a:r>
+              <a:rPr lang="en" altLang="ja-JP" sz="2400" dirty="0"/>
+              <a:t>Which holds are connected.</a:t>
+            </a:r>
+          </a:p>
+          <a:p>
+            <a:pPr lvl="1"/>
+            <a:r>
+              <a:rPr lang="en" altLang="ja-JP" sz="2400" dirty="0" err="1"/>
+              <a:t>etc</a:t>
+            </a:r>
+            <a:r>
+              <a:rPr lang="en" altLang="ja-JP" sz="2400" dirty="0"/>
+              <a:t>…</a:t>
+            </a:r>
+          </a:p>
+          <a:p>
+            <a:pPr lvl="1"/>
+            <a:endParaRPr lang="en" altLang="ja-JP" sz="2400" dirty="0"/>
+          </a:p>
+          <a:p>
+            <a:pPr lvl="1"/>
+            <a:endParaRPr lang="en" altLang="ja-JP" sz="2400" dirty="0"/>
+          </a:p>
+          <a:p>
+            <a:pPr lvl="1"/>
+            <a:endParaRPr kumimoji="1" lang="ja-JP" altLang="en-US" sz="2400"/>
+          </a:p>
+        </p:txBody>
+      </p:sp>
+    </p:spTree>
+    <p:extLst>
+      <p:ext uri="{BB962C8B-B14F-4D97-AF65-F5344CB8AC3E}">
+        <p14:creationId xmlns:p14="http://schemas.microsoft.com/office/powerpoint/2010/main" val="2696231861"/>
+      </p:ext>
+    </p:extLst>
+  </p:cSld>
+  <p:clrMapOvr>
+    <a:masterClrMapping/>
+  </p:clrMapOvr>
+</p:sld>
+</file>
+
+<file path=ppt/slides/slide8.xml><?xml version="1.0" encoding="utf-8"?>
 <p:sld xmlns:a="http://schemas.openxmlformats.org/drawingml/2006/main" xmlns:r="http://schemas.openxmlformats.org/officeDocument/2006/relationships" xmlns:p="http://schemas.openxmlformats.org/presentationml/2006/main">
   <p:cSld>
     <p:spTree>
@@ -17517,128 +19073,6 @@
 </p:sld>
 </file>
 
-<file path=ppt/slides/slide8.xml><?xml version="1.0" encoding="utf-8"?>
-<p:sld xmlns:a="http://schemas.openxmlformats.org/drawingml/2006/main" xmlns:r="http://schemas.openxmlformats.org/officeDocument/2006/relationships" xmlns:p="http://schemas.openxmlformats.org/presentationml/2006/main">
-  <p:cSld>
-    <p:spTree>
-      <p:nvGrpSpPr>
-        <p:cNvPr id="1" name=""/>
-        <p:cNvGrpSpPr/>
-        <p:nvPr/>
-      </p:nvGrpSpPr>
-      <p:grpSpPr>
-        <a:xfrm>
-          <a:off x="0" y="0"/>
-          <a:ext cx="0" cy="0"/>
-          <a:chOff x="0" y="0"/>
-          <a:chExt cx="0" cy="0"/>
-        </a:xfrm>
-      </p:grpSpPr>
-      <p:sp>
-        <p:nvSpPr>
-          <p:cNvPr id="2" name="タイトル 1">
-            <a:extLst>
-              <a:ext uri="{FF2B5EF4-FFF2-40B4-BE49-F238E27FC236}">
-                <a16:creationId xmlns:a16="http://schemas.microsoft.com/office/drawing/2014/main" id="{89663C5D-CBA2-0E4F-B496-EAA0921F02CB}"/>
-              </a:ext>
-            </a:extLst>
-          </p:cNvPr>
-          <p:cNvSpPr>
-            <a:spLocks noGrp="1"/>
-          </p:cNvSpPr>
-          <p:nvPr>
-            <p:ph type="title"/>
-          </p:nvPr>
-        </p:nvSpPr>
-        <p:spPr/>
-        <p:txBody>
-          <a:bodyPr/>
-          <a:lstStyle/>
-          <a:p>
-            <a:r>
-              <a:rPr lang="en-US" altLang="ja-JP" dirty="0"/>
-              <a:t>Mathematical Modeling</a:t>
-            </a:r>
-            <a:endParaRPr kumimoji="1" lang="ja-JP" altLang="en-US"/>
-          </a:p>
-        </p:txBody>
-      </p:sp>
-      <p:sp>
-        <p:nvSpPr>
-          <p:cNvPr id="3" name="コンテンツ プレースホルダー 2">
-            <a:extLst>
-              <a:ext uri="{FF2B5EF4-FFF2-40B4-BE49-F238E27FC236}">
-                <a16:creationId xmlns:a16="http://schemas.microsoft.com/office/drawing/2014/main" id="{DDCCA87D-98EC-5F4C-B7CC-2189578463C2}"/>
-              </a:ext>
-            </a:extLst>
-          </p:cNvPr>
-          <p:cNvSpPr>
-            <a:spLocks noGrp="1"/>
-          </p:cNvSpPr>
-          <p:nvPr>
-            <p:ph idx="1"/>
-          </p:nvPr>
-        </p:nvSpPr>
-        <p:spPr/>
-        <p:txBody>
-          <a:bodyPr>
-            <a:normAutofit/>
-          </a:bodyPr>
-          <a:lstStyle/>
-          <a:p>
-            <a:r>
-              <a:rPr kumimoji="1" lang="en-US" altLang="ja-JP" sz="2400" dirty="0"/>
-              <a:t>We model this </a:t>
-            </a:r>
-            <a:r>
-              <a:rPr lang="en-US" altLang="ja-JP" sz="2400" dirty="0"/>
-              <a:t>assignment based on interviews with planners.</a:t>
-            </a:r>
-          </a:p>
-          <a:p>
-            <a:r>
-              <a:rPr lang="en-US" altLang="ja-JP" sz="2400" dirty="0"/>
-              <a:t>I and </a:t>
-            </a:r>
-            <a:r>
-              <a:rPr lang="en-US" altLang="ja-JP" sz="2400" dirty="0" err="1"/>
-              <a:t>Mr.Ukawa</a:t>
-            </a:r>
-            <a:r>
-              <a:rPr lang="en-US" altLang="ja-JP" sz="2400" dirty="0"/>
-              <a:t> made model for this assignment last year.</a:t>
-            </a:r>
-          </a:p>
-          <a:p>
-            <a:r>
-              <a:rPr kumimoji="1" lang="en-US" altLang="ja-JP" sz="2400" dirty="0"/>
-              <a:t>I will explain </a:t>
-            </a:r>
-            <a:r>
-              <a:rPr lang="en-US" altLang="ja-JP" sz="2400" dirty="0"/>
-              <a:t>objective function and constraints one </a:t>
-            </a:r>
-            <a:r>
-              <a:rPr kumimoji="1" lang="en-US" altLang="ja-JP" sz="2400" dirty="0"/>
-              <a:t>by one.</a:t>
-            </a:r>
-            <a:endParaRPr kumimoji="1" lang="ja-JP" altLang="en-US" sz="2400"/>
-          </a:p>
-        </p:txBody>
-      </p:sp>
-    </p:spTree>
-    <p:extLst>
-      <p:ext uri="{BB962C8B-B14F-4D97-AF65-F5344CB8AC3E}">
-        <p14:creationId xmlns:p14="http://schemas.microsoft.com/office/powerpoint/2010/main" val="1750544108"/>
-      </p:ext>
-    </p:extLst>
-  </p:cSld>
-  <p:clrMapOvr>
-    <a:masterClrMapping/>
-  </p:clrMapOvr>
-</p:sld>
-</file>
-
 <file path=ppt/slides/slide9.xml><?xml version="1.0" encoding="utf-8"?>
 <p:sld xmlns:a="http://schemas.openxmlformats.org/drawingml/2006/main" xmlns:r="http://schemas.openxmlformats.org/officeDocument/2006/relationships" xmlns:p="http://schemas.openxmlformats.org/presentationml/2006/main">
   <p:cSld>
@@ -17661,7 +19095,7 @@
           <p:cNvPr id="2" name="タイトル 1">
             <a:extLst>
               <a:ext uri="{FF2B5EF4-FFF2-40B4-BE49-F238E27FC236}">
-                <a16:creationId xmlns:a16="http://schemas.microsoft.com/office/drawing/2014/main" id="{FD7804DA-5131-1342-B346-35CAC3C09CE7}"/>
+                <a16:creationId xmlns:a16="http://schemas.microsoft.com/office/drawing/2014/main" id="{89663C5D-CBA2-0E4F-B496-EAA0921F02CB}"/>
               </a:ext>
             </a:extLst>
           </p:cNvPr>
@@ -17679,7 +19113,7 @@
           <a:p>
             <a:r>
               <a:rPr lang="en-US" altLang="ja-JP" dirty="0"/>
-              <a:t>The objective function</a:t>
+              <a:t>Mathematical Modeling</a:t>
             </a:r>
             <a:endParaRPr kumimoji="1" lang="ja-JP" altLang="en-US"/>
           </a:p>
@@ -17690,7 +19124,7 @@
           <p:cNvPr id="3" name="コンテンツ プレースホルダー 2">
             <a:extLst>
               <a:ext uri="{FF2B5EF4-FFF2-40B4-BE49-F238E27FC236}">
-                <a16:creationId xmlns:a16="http://schemas.microsoft.com/office/drawing/2014/main" id="{07F230A6-6F05-474A-B796-7E09CD034B90}"/>
+                <a16:creationId xmlns:a16="http://schemas.microsoft.com/office/drawing/2014/main" id="{DDCCA87D-98EC-5F4C-B7CC-2189578463C2}"/>
               </a:ext>
             </a:extLst>
           </p:cNvPr>
@@ -17708,78 +19142,50 @@
           </a:bodyPr>
           <a:lstStyle/>
           <a:p>
-            <a:pPr marL="0" indent="0">
-              <a:buNone/>
-            </a:pPr>
-            <a:r>
-              <a:rPr lang="en" altLang="ja-JP" sz="2400" dirty="0"/>
-              <a:t>the objective function would be the weighted sum of the following five.</a:t>
-            </a:r>
-          </a:p>
-          <a:p>
-            <a:pPr>
-              <a:buFont typeface="+mj-lt"/>
-              <a:buAutoNum type="arabicPeriod"/>
-            </a:pPr>
+            <a:r>
+              <a:rPr kumimoji="1" lang="en-US" altLang="ja-JP" sz="2400" dirty="0"/>
+              <a:t>We model this </a:t>
+            </a:r>
             <a:r>
               <a:rPr lang="en-US" altLang="ja-JP" sz="2400" dirty="0"/>
-              <a:t>avoiding multiple orders in one hold</a:t>
-            </a:r>
-          </a:p>
-          <a:p>
-            <a:pPr>
-              <a:buFont typeface="+mj-lt"/>
-              <a:buAutoNum type="arabicPeriod"/>
-            </a:pPr>
-            <a:r>
-              <a:rPr lang="en" altLang="ja-JP" sz="2400" dirty="0"/>
-              <a:t>placing </a:t>
-            </a:r>
+              <a:t>assignment based on interviews with planners.</a:t>
+            </a:r>
+          </a:p>
+          <a:p>
             <a:r>
               <a:rPr lang="en-US" altLang="ja-JP" sz="2400" dirty="0"/>
-              <a:t>same</a:t>
-            </a:r>
-            <a:r>
-              <a:rPr lang="en" altLang="ja-JP" sz="2400" dirty="0"/>
-              <a:t> orders by port closer together</a:t>
-            </a:r>
-          </a:p>
-          <a:p>
-            <a:pPr>
-              <a:buFont typeface="+mj-lt"/>
-              <a:buAutoNum type="arabicPeriod"/>
-            </a:pPr>
-            <a:r>
-              <a:rPr lang="en" altLang="ja-JP" sz="2400" dirty="0"/>
-              <a:t>securing a path to prevent loss of work efficiency</a:t>
-            </a:r>
-          </a:p>
-          <a:p>
-            <a:pPr>
-              <a:buFont typeface="+mj-lt"/>
-              <a:buAutoNum type="arabicPeriod"/>
-            </a:pPr>
-            <a:r>
-              <a:rPr lang="en" altLang="ja-JP" sz="2400" dirty="0"/>
-              <a:t>No dead space</a:t>
-            </a:r>
-          </a:p>
-          <a:p>
-            <a:pPr>
-              <a:buFont typeface="+mj-lt"/>
-              <a:buAutoNum type="arabicPeriod"/>
-            </a:pPr>
-            <a:r>
-              <a:rPr lang="en" altLang="ja-JP" sz="2400" dirty="0"/>
-              <a:t>placing empty space close to the entrance</a:t>
-            </a:r>
+              <a:t>I and </a:t>
+            </a:r>
+            <a:r>
+              <a:rPr lang="en-US" altLang="ja-JP" sz="2400" dirty="0" err="1"/>
+              <a:t>Mr.Ukawa</a:t>
+            </a:r>
+            <a:r>
+              <a:rPr lang="en-US" altLang="ja-JP" sz="2400" dirty="0"/>
+              <a:t> made model for this assignment last year.</a:t>
+            </a:r>
+          </a:p>
+          <a:p>
+            <a:r>
+              <a:rPr kumimoji="1" lang="en-US" altLang="ja-JP" sz="2400" dirty="0"/>
+              <a:t>I will explain </a:t>
+            </a:r>
+            <a:r>
+              <a:rPr lang="en-US" altLang="ja-JP" sz="2400" dirty="0"/>
+              <a:t>objective function and constraints one </a:t>
+            </a:r>
+            <a:r>
+              <a:rPr kumimoji="1" lang="en-US" altLang="ja-JP" sz="2400" dirty="0"/>
+              <a:t>by one.</a:t>
+            </a:r>
+            <a:endParaRPr kumimoji="1" lang="ja-JP" altLang="en-US" sz="2400"/>
           </a:p>
         </p:txBody>
       </p:sp>
     </p:spTree>
     <p:extLst>
       <p:ext uri="{BB962C8B-B14F-4D97-AF65-F5344CB8AC3E}">
-        <p14:creationId xmlns:p14="http://schemas.microsoft.com/office/powerpoint/2010/main" val="2625871371"/>
+        <p14:creationId xmlns:p14="http://schemas.microsoft.com/office/powerpoint/2010/main" val="1750544108"/>
       </p:ext>
     </p:extLst>
   </p:cSld>
